--- a/sprint_deliverables/Sprint3Deliverables/Stocko Sprint 3.pptx
+++ b/sprint_deliverables/Sprint3Deliverables/Stocko Sprint 3.pptx
@@ -19,17 +19,16 @@
     <p:sldId id="264" r:id="rId15"/>
     <p:sldId id="265" r:id="rId16"/>
     <p:sldId id="266" r:id="rId17"/>
-    <p:sldId id="267" r:id="rId18"/>
   </p:sldIdLst>
   <p:sldSz cy="5143500" cx="9144000"/>
   <p:notesSz cx="6858000" cy="9144000"/>
   <p:embeddedFontLst>
     <p:embeddedFont>
       <p:font typeface="Roboto"/>
-      <p:regular r:id="rId19"/>
-      <p:bold r:id="rId20"/>
-      <p:italic r:id="rId21"/>
-      <p:boldItalic r:id="rId22"/>
+      <p:regular r:id="rId18"/>
+      <p:bold r:id="rId19"/>
+      <p:italic r:id="rId20"/>
+      <p:boldItalic r:id="rId21"/>
     </p:embeddedFont>
   </p:embeddedFontLst>
   <p:defaultTextStyle>
@@ -711,7 +710,7 @@
   <p:cSld>
     <p:spTree>
       <p:nvGrpSpPr>
-        <p:cNvPr id="50" name="Shape 50"/>
+        <p:cNvPr id="51" name="Shape 51"/>
         <p:cNvGrpSpPr/>
         <p:nvPr/>
       </p:nvGrpSpPr>
@@ -725,7 +724,7 @@
       </p:grpSpPr>
       <p:sp>
         <p:nvSpPr>
-          <p:cNvPr id="51" name="Google Shape;51;g10389c9519e_0_0:notes"/>
+          <p:cNvPr id="52" name="Google Shape;52;g10389c9519e_0_0:notes"/>
           <p:cNvSpPr/>
           <p:nvPr>
             <p:ph idx="2" type="sldImg"/>
@@ -760,7 +759,7 @@
       </p:sp>
       <p:sp>
         <p:nvSpPr>
-          <p:cNvPr id="52" name="Google Shape;52;g10389c9519e_0_0:notes"/>
+          <p:cNvPr id="53" name="Google Shape;53;g10389c9519e_0_0:notes"/>
           <p:cNvSpPr txBox="1"/>
           <p:nvPr>
             <p:ph idx="1" type="body"/>
@@ -810,7 +809,7 @@
   <p:cSld>
     <p:spTree>
       <p:nvGrpSpPr>
-        <p:cNvPr id="107" name="Shape 107"/>
+        <p:cNvPr id="108" name="Shape 108"/>
         <p:cNvGrpSpPr/>
         <p:nvPr/>
       </p:nvGrpSpPr>
@@ -824,7 +823,7 @@
       </p:grpSpPr>
       <p:sp>
         <p:nvSpPr>
-          <p:cNvPr id="108" name="Google Shape;108;g6c0195124be9a8fd_10:notes"/>
+          <p:cNvPr id="109" name="Google Shape;109;g6c0195124be9a8fd_15:notes"/>
           <p:cNvSpPr/>
           <p:nvPr>
             <p:ph idx="2" type="sldImg"/>
@@ -859,7 +858,7 @@
       </p:sp>
       <p:sp>
         <p:nvSpPr>
-          <p:cNvPr id="109" name="Google Shape;109;g6c0195124be9a8fd_10:notes"/>
+          <p:cNvPr id="110" name="Google Shape;110;g6c0195124be9a8fd_15:notes"/>
           <p:cNvSpPr txBox="1"/>
           <p:nvPr>
             <p:ph idx="1" type="body"/>
@@ -909,7 +908,7 @@
   <p:cSld>
     <p:spTree>
       <p:nvGrpSpPr>
-        <p:cNvPr id="113" name="Shape 113"/>
+        <p:cNvPr id="114" name="Shape 114"/>
         <p:cNvGrpSpPr/>
         <p:nvPr/>
       </p:nvGrpSpPr>
@@ -923,7 +922,7 @@
       </p:grpSpPr>
       <p:sp>
         <p:nvSpPr>
-          <p:cNvPr id="114" name="Google Shape;114;g6c0195124be9a8fd_15:notes"/>
+          <p:cNvPr id="115" name="Google Shape;115;g10389c9519e_0_38:notes"/>
           <p:cNvSpPr/>
           <p:nvPr>
             <p:ph idx="2" type="sldImg"/>
@@ -958,7 +957,7 @@
       </p:sp>
       <p:sp>
         <p:nvSpPr>
-          <p:cNvPr id="115" name="Google Shape;115;g6c0195124be9a8fd_15:notes"/>
+          <p:cNvPr id="116" name="Google Shape;116;g10389c9519e_0_38:notes"/>
           <p:cNvSpPr txBox="1"/>
           <p:nvPr>
             <p:ph idx="1" type="body"/>
@@ -1003,12 +1002,12 @@
 </p:notes>
 </file>
 
-<file path=ppt/notesSlides/notesSlide12.xml><?xml version="1.0" encoding="utf-8"?>
+<file path=ppt/notesSlides/notesSlide2.xml><?xml version="1.0" encoding="utf-8"?>
 <p:notes xmlns:a="http://schemas.openxmlformats.org/drawingml/2006/main" xmlns:r="http://schemas.openxmlformats.org/officeDocument/2006/relationships" xmlns:mc="http://schemas.openxmlformats.org/markup-compatibility/2006" xmlns:mv="urn:schemas-microsoft-com:mac:vml" xmlns:p="http://schemas.openxmlformats.org/presentationml/2006/main" xmlns:c="http://schemas.openxmlformats.org/drawingml/2006/chart" xmlns:dgm="http://schemas.openxmlformats.org/drawingml/2006/diagram" xmlns:o="urn:schemas-microsoft-com:office:office" xmlns:v="urn:schemas-microsoft-com:vml" xmlns:pvml="urn:schemas-microsoft-com:office:powerpoint" xmlns:com="http://schemas.openxmlformats.org/drawingml/2006/compatibility" xmlns:p14="http://schemas.microsoft.com/office/powerpoint/2010/main" xmlns:p15="http://schemas.microsoft.com/office/powerpoint/2012/main" xmlns:ahyp="http://schemas.microsoft.com/office/drawing/2018/hyperlinkcolor" showMasterPhAnim="0" showMasterSp="0">
   <p:cSld>
     <p:spTree>
       <p:nvGrpSpPr>
-        <p:cNvPr id="119" name="Shape 119"/>
+        <p:cNvPr id="59" name="Shape 59"/>
         <p:cNvGrpSpPr/>
         <p:nvPr/>
       </p:nvGrpSpPr>
@@ -1022,7 +1021,7 @@
       </p:grpSpPr>
       <p:sp>
         <p:nvSpPr>
-          <p:cNvPr id="120" name="Google Shape;120;g10389c9519e_0_38:notes"/>
+          <p:cNvPr id="60" name="Google Shape;60;g10389c9519e_0_7:notes"/>
           <p:cNvSpPr/>
           <p:nvPr>
             <p:ph idx="2" type="sldImg"/>
@@ -1057,7 +1056,7 @@
       </p:sp>
       <p:sp>
         <p:nvSpPr>
-          <p:cNvPr id="121" name="Google Shape;121;g10389c9519e_0_38:notes"/>
+          <p:cNvPr id="61" name="Google Shape;61;g10389c9519e_0_7:notes"/>
           <p:cNvSpPr txBox="1"/>
           <p:nvPr>
             <p:ph idx="1" type="body"/>
@@ -1102,12 +1101,12 @@
 </p:notes>
 </file>
 
-<file path=ppt/notesSlides/notesSlide2.xml><?xml version="1.0" encoding="utf-8"?>
+<file path=ppt/notesSlides/notesSlide3.xml><?xml version="1.0" encoding="utf-8"?>
 <p:notes xmlns:a="http://schemas.openxmlformats.org/drawingml/2006/main" xmlns:r="http://schemas.openxmlformats.org/officeDocument/2006/relationships" xmlns:mc="http://schemas.openxmlformats.org/markup-compatibility/2006" xmlns:mv="urn:schemas-microsoft-com:mac:vml" xmlns:p="http://schemas.openxmlformats.org/presentationml/2006/main" xmlns:c="http://schemas.openxmlformats.org/drawingml/2006/chart" xmlns:dgm="http://schemas.openxmlformats.org/drawingml/2006/diagram" xmlns:o="urn:schemas-microsoft-com:office:office" xmlns:v="urn:schemas-microsoft-com:vml" xmlns:pvml="urn:schemas-microsoft-com:office:powerpoint" xmlns:com="http://schemas.openxmlformats.org/drawingml/2006/compatibility" xmlns:p14="http://schemas.microsoft.com/office/powerpoint/2010/main" xmlns:p15="http://schemas.microsoft.com/office/powerpoint/2012/main" xmlns:ahyp="http://schemas.microsoft.com/office/drawing/2018/hyperlinkcolor" showMasterPhAnim="0" showMasterSp="0">
   <p:cSld>
     <p:spTree>
       <p:nvGrpSpPr>
-        <p:cNvPr id="58" name="Shape 58"/>
+        <p:cNvPr id="65" name="Shape 65"/>
         <p:cNvGrpSpPr/>
         <p:nvPr/>
       </p:nvGrpSpPr>
@@ -1121,7 +1120,7 @@
       </p:grpSpPr>
       <p:sp>
         <p:nvSpPr>
-          <p:cNvPr id="59" name="Google Shape;59;g10389c9519e_0_7:notes"/>
+          <p:cNvPr id="66" name="Google Shape;66;g10389c9519e_0_12:notes"/>
           <p:cNvSpPr/>
           <p:nvPr>
             <p:ph idx="2" type="sldImg"/>
@@ -1156,7 +1155,7 @@
       </p:sp>
       <p:sp>
         <p:nvSpPr>
-          <p:cNvPr id="60" name="Google Shape;60;g10389c9519e_0_7:notes"/>
+          <p:cNvPr id="67" name="Google Shape;67;g10389c9519e_0_12:notes"/>
           <p:cNvSpPr txBox="1"/>
           <p:nvPr>
             <p:ph idx="1" type="body"/>
@@ -1177,17 +1176,105 @@
           </a:bodyPr>
           <a:lstStyle/>
           <a:p>
-            <a:pPr indent="0" lvl="0" marL="0" rtl="0" algn="l">
-              <a:spcBef>
-                <a:spcPts val="0"/>
-              </a:spcBef>
-              <a:spcAft>
-                <a:spcPts val="0"/>
-              </a:spcAft>
-              <a:buNone/>
+            <a:pPr indent="-342900" lvl="0" marL="457200" rtl="0" algn="l">
+              <a:lnSpc>
+                <a:spcPct val="115000"/>
+              </a:lnSpc>
+              <a:spcBef>
+                <a:spcPts val="0"/>
+              </a:spcBef>
+              <a:spcAft>
+                <a:spcPts val="0"/>
+              </a:spcAft>
+              <a:buClr>
+                <a:srgbClr val="434343"/>
+              </a:buClr>
+              <a:buSzPts val="1800"/>
+              <a:buFont typeface="Roboto"/>
+              <a:buChar char="●"/>
             </a:pPr>
             <a:r>
-              <a:t/>
+              <a:rPr lang="en" sz="1800">
+                <a:solidFill>
+                  <a:srgbClr val="434343"/>
+                </a:solidFill>
+                <a:latin typeface="Roboto"/>
+                <a:ea typeface="Roboto"/>
+                <a:cs typeface="Roboto"/>
+                <a:sym typeface="Roboto"/>
+              </a:rPr>
+              <a:t>Jira </a:t>
+            </a:r>
+            <a:endParaRPr sz="1800">
+              <a:solidFill>
+                <a:srgbClr val="434343"/>
+              </a:solidFill>
+              <a:latin typeface="Roboto"/>
+              <a:ea typeface="Roboto"/>
+              <a:cs typeface="Roboto"/>
+              <a:sym typeface="Roboto"/>
+            </a:endParaRPr>
+          </a:p>
+          <a:p>
+            <a:pPr indent="-342900" lvl="1" marL="914400" rtl="0" algn="l">
+              <a:lnSpc>
+                <a:spcPct val="115000"/>
+              </a:lnSpc>
+              <a:spcBef>
+                <a:spcPts val="0"/>
+              </a:spcBef>
+              <a:spcAft>
+                <a:spcPts val="0"/>
+              </a:spcAft>
+              <a:buClr>
+                <a:srgbClr val="434343"/>
+              </a:buClr>
+              <a:buSzPts val="1800"/>
+              <a:buFont typeface="Roboto"/>
+              <a:buChar char="●"/>
+            </a:pPr>
+            <a:r>
+              <a:rPr lang="en" sz="1400" u="sng">
+                <a:solidFill>
+                  <a:srgbClr val="F06292"/>
+                </a:solidFill>
+                <a:latin typeface="Roboto"/>
+                <a:ea typeface="Roboto"/>
+                <a:cs typeface="Roboto"/>
+                <a:sym typeface="Roboto"/>
+                <a:hlinkClick r:id="rId2">
+                  <a:extLst>
+                    <a:ext uri="{A12FA001-AC4F-418D-AE19-62706E023703}">
+                      <ahyp:hlinkClr val="tx"/>
+                    </a:ext>
+                  </a:extLst>
+                </a:hlinkClick>
+              </a:rPr>
+              <a:t>https://housing.atlassian.net/jira/software/projects/STOCKO/boards/2/backlog</a:t>
+            </a:r>
+            <a:endParaRPr/>
+          </a:p>
+          <a:p>
+            <a:pPr indent="-342900" lvl="0" marL="457200" rtl="0" algn="l">
+              <a:lnSpc>
+                <a:spcPct val="115000"/>
+              </a:lnSpc>
+              <a:spcBef>
+                <a:spcPts val="0"/>
+              </a:spcBef>
+              <a:spcAft>
+                <a:spcPts val="0"/>
+              </a:spcAft>
+              <a:buClr>
+                <a:srgbClr val="434343"/>
+              </a:buClr>
+              <a:buSzPts val="1800"/>
+              <a:buFont typeface="Roboto"/>
+              <a:buChar char="●"/>
+            </a:pPr>
+            <a:r>
+              <a:rPr lang="en"/>
+              <a:t>https://docs.google.com/document/d/11fXwnk1gAuYx-7HyRQba3VkH9B8AzGvIzvyoV3V2uHA/edit</a:t>
             </a:r>
             <a:endParaRPr/>
           </a:p>
@@ -1201,12 +1288,12 @@
 </p:notes>
 </file>
 
-<file path=ppt/notesSlides/notesSlide3.xml><?xml version="1.0" encoding="utf-8"?>
+<file path=ppt/notesSlides/notesSlide4.xml><?xml version="1.0" encoding="utf-8"?>
 <p:notes xmlns:a="http://schemas.openxmlformats.org/drawingml/2006/main" xmlns:r="http://schemas.openxmlformats.org/officeDocument/2006/relationships" xmlns:mc="http://schemas.openxmlformats.org/markup-compatibility/2006" xmlns:mv="urn:schemas-microsoft-com:mac:vml" xmlns:p="http://schemas.openxmlformats.org/presentationml/2006/main" xmlns:c="http://schemas.openxmlformats.org/drawingml/2006/chart" xmlns:dgm="http://schemas.openxmlformats.org/drawingml/2006/diagram" xmlns:o="urn:schemas-microsoft-com:office:office" xmlns:v="urn:schemas-microsoft-com:vml" xmlns:pvml="urn:schemas-microsoft-com:office:powerpoint" xmlns:com="http://schemas.openxmlformats.org/drawingml/2006/compatibility" xmlns:p14="http://schemas.microsoft.com/office/powerpoint/2010/main" xmlns:p15="http://schemas.microsoft.com/office/powerpoint/2012/main" xmlns:ahyp="http://schemas.microsoft.com/office/drawing/2018/hyperlinkcolor" showMasterPhAnim="0" showMasterSp="0">
   <p:cSld>
     <p:spTree>
       <p:nvGrpSpPr>
-        <p:cNvPr id="64" name="Shape 64"/>
+        <p:cNvPr id="71" name="Shape 71"/>
         <p:cNvGrpSpPr/>
         <p:nvPr/>
       </p:nvGrpSpPr>
@@ -1220,7 +1307,7 @@
       </p:grpSpPr>
       <p:sp>
         <p:nvSpPr>
-          <p:cNvPr id="65" name="Google Shape;65;g10389c9519e_0_12:notes"/>
+          <p:cNvPr id="72" name="Google Shape;72;g10389c9519e_0_17:notes"/>
           <p:cNvSpPr/>
           <p:nvPr>
             <p:ph idx="2" type="sldImg"/>
@@ -1255,7 +1342,7 @@
       </p:sp>
       <p:sp>
         <p:nvSpPr>
-          <p:cNvPr id="66" name="Google Shape;66;g10389c9519e_0_12:notes"/>
+          <p:cNvPr id="73" name="Google Shape;73;g10389c9519e_0_17:notes"/>
           <p:cNvSpPr txBox="1"/>
           <p:nvPr>
             <p:ph idx="1" type="body"/>
@@ -1276,105 +1363,17 @@
           </a:bodyPr>
           <a:lstStyle/>
           <a:p>
-            <a:pPr indent="-342900" lvl="0" marL="457200" rtl="0" algn="l">
-              <a:lnSpc>
-                <a:spcPct val="115000"/>
-              </a:lnSpc>
-              <a:spcBef>
-                <a:spcPts val="0"/>
-              </a:spcBef>
-              <a:spcAft>
-                <a:spcPts val="0"/>
-              </a:spcAft>
-              <a:buClr>
-                <a:srgbClr val="434343"/>
-              </a:buClr>
-              <a:buSzPts val="1800"/>
-              <a:buFont typeface="Roboto"/>
-              <a:buChar char="●"/>
+            <a:pPr indent="0" lvl="0" marL="0" rtl="0" algn="l">
+              <a:spcBef>
+                <a:spcPts val="0"/>
+              </a:spcBef>
+              <a:spcAft>
+                <a:spcPts val="0"/>
+              </a:spcAft>
+              <a:buNone/>
             </a:pPr>
             <a:r>
-              <a:rPr lang="en" sz="1800">
-                <a:solidFill>
-                  <a:srgbClr val="434343"/>
-                </a:solidFill>
-                <a:latin typeface="Roboto"/>
-                <a:ea typeface="Roboto"/>
-                <a:cs typeface="Roboto"/>
-                <a:sym typeface="Roboto"/>
-              </a:rPr>
-              <a:t>Jira </a:t>
-            </a:r>
-            <a:endParaRPr sz="1800">
-              <a:solidFill>
-                <a:srgbClr val="434343"/>
-              </a:solidFill>
-              <a:latin typeface="Roboto"/>
-              <a:ea typeface="Roboto"/>
-              <a:cs typeface="Roboto"/>
-              <a:sym typeface="Roboto"/>
-            </a:endParaRPr>
-          </a:p>
-          <a:p>
-            <a:pPr indent="-342900" lvl="1" marL="914400" rtl="0" algn="l">
-              <a:lnSpc>
-                <a:spcPct val="115000"/>
-              </a:lnSpc>
-              <a:spcBef>
-                <a:spcPts val="0"/>
-              </a:spcBef>
-              <a:spcAft>
-                <a:spcPts val="0"/>
-              </a:spcAft>
-              <a:buClr>
-                <a:srgbClr val="434343"/>
-              </a:buClr>
-              <a:buSzPts val="1800"/>
-              <a:buFont typeface="Roboto"/>
-              <a:buChar char="●"/>
-            </a:pPr>
-            <a:r>
-              <a:rPr lang="en" sz="1400" u="sng">
-                <a:solidFill>
-                  <a:srgbClr val="F06292"/>
-                </a:solidFill>
-                <a:latin typeface="Roboto"/>
-                <a:ea typeface="Roboto"/>
-                <a:cs typeface="Roboto"/>
-                <a:sym typeface="Roboto"/>
-                <a:hlinkClick r:id="rId2">
-                  <a:extLst>
-                    <a:ext uri="{A12FA001-AC4F-418D-AE19-62706E023703}">
-                      <ahyp:hlinkClr val="tx"/>
-                    </a:ext>
-                  </a:extLst>
-                </a:hlinkClick>
-              </a:rPr>
-              <a:t>https://housing.atlassian.net/jira/software/projects/STOCKO/boards/2/backlog</a:t>
-            </a:r>
-            <a:endParaRPr/>
-          </a:p>
-          <a:p>
-            <a:pPr indent="-342900" lvl="0" marL="457200" rtl="0" algn="l">
-              <a:lnSpc>
-                <a:spcPct val="115000"/>
-              </a:lnSpc>
-              <a:spcBef>
-                <a:spcPts val="0"/>
-              </a:spcBef>
-              <a:spcAft>
-                <a:spcPts val="0"/>
-              </a:spcAft>
-              <a:buClr>
-                <a:srgbClr val="434343"/>
-              </a:buClr>
-              <a:buSzPts val="1800"/>
-              <a:buFont typeface="Roboto"/>
-              <a:buChar char="●"/>
-            </a:pPr>
-            <a:r>
-              <a:rPr lang="en"/>
-              <a:t>https://docs.google.com/document/d/11fXwnk1gAuYx-7HyRQba3VkH9B8AzGvIzvyoV3V2uHA/edit</a:t>
+              <a:t/>
             </a:r>
             <a:endParaRPr/>
           </a:p>
@@ -1388,12 +1387,12 @@
 </p:notes>
 </file>
 
-<file path=ppt/notesSlides/notesSlide4.xml><?xml version="1.0" encoding="utf-8"?>
+<file path=ppt/notesSlides/notesSlide5.xml><?xml version="1.0" encoding="utf-8"?>
 <p:notes xmlns:a="http://schemas.openxmlformats.org/drawingml/2006/main" xmlns:r="http://schemas.openxmlformats.org/officeDocument/2006/relationships" xmlns:mc="http://schemas.openxmlformats.org/markup-compatibility/2006" xmlns:mv="urn:schemas-microsoft-com:mac:vml" xmlns:p="http://schemas.openxmlformats.org/presentationml/2006/main" xmlns:c="http://schemas.openxmlformats.org/drawingml/2006/chart" xmlns:dgm="http://schemas.openxmlformats.org/drawingml/2006/diagram" xmlns:o="urn:schemas-microsoft-com:office:office" xmlns:v="urn:schemas-microsoft-com:vml" xmlns:pvml="urn:schemas-microsoft-com:office:powerpoint" xmlns:com="http://schemas.openxmlformats.org/drawingml/2006/compatibility" xmlns:p14="http://schemas.microsoft.com/office/powerpoint/2010/main" xmlns:p15="http://schemas.microsoft.com/office/powerpoint/2012/main" xmlns:ahyp="http://schemas.microsoft.com/office/drawing/2018/hyperlinkcolor" showMasterPhAnim="0" showMasterSp="0">
   <p:cSld>
     <p:spTree>
       <p:nvGrpSpPr>
-        <p:cNvPr id="70" name="Shape 70"/>
+        <p:cNvPr id="77" name="Shape 77"/>
         <p:cNvGrpSpPr/>
         <p:nvPr/>
       </p:nvGrpSpPr>
@@ -1407,7 +1406,7 @@
       </p:grpSpPr>
       <p:sp>
         <p:nvSpPr>
-          <p:cNvPr id="71" name="Google Shape;71;g10389c9519e_0_17:notes"/>
+          <p:cNvPr id="78" name="Google Shape;78;g10389c9519e_0_22:notes"/>
           <p:cNvSpPr/>
           <p:nvPr>
             <p:ph idx="2" type="sldImg"/>
@@ -1442,7 +1441,7 @@
       </p:sp>
       <p:sp>
         <p:nvSpPr>
-          <p:cNvPr id="72" name="Google Shape;72;g10389c9519e_0_17:notes"/>
+          <p:cNvPr id="79" name="Google Shape;79;g10389c9519e_0_22:notes"/>
           <p:cNvSpPr txBox="1"/>
           <p:nvPr>
             <p:ph idx="1" type="body"/>
@@ -1487,12 +1486,12 @@
 </p:notes>
 </file>
 
-<file path=ppt/notesSlides/notesSlide5.xml><?xml version="1.0" encoding="utf-8"?>
+<file path=ppt/notesSlides/notesSlide6.xml><?xml version="1.0" encoding="utf-8"?>
 <p:notes xmlns:a="http://schemas.openxmlformats.org/drawingml/2006/main" xmlns:r="http://schemas.openxmlformats.org/officeDocument/2006/relationships" xmlns:mc="http://schemas.openxmlformats.org/markup-compatibility/2006" xmlns:mv="urn:schemas-microsoft-com:mac:vml" xmlns:p="http://schemas.openxmlformats.org/presentationml/2006/main" xmlns:c="http://schemas.openxmlformats.org/drawingml/2006/chart" xmlns:dgm="http://schemas.openxmlformats.org/drawingml/2006/diagram" xmlns:o="urn:schemas-microsoft-com:office:office" xmlns:v="urn:schemas-microsoft-com:vml" xmlns:pvml="urn:schemas-microsoft-com:office:powerpoint" xmlns:com="http://schemas.openxmlformats.org/drawingml/2006/compatibility" xmlns:p14="http://schemas.microsoft.com/office/powerpoint/2010/main" xmlns:p15="http://schemas.microsoft.com/office/powerpoint/2012/main" xmlns:ahyp="http://schemas.microsoft.com/office/drawing/2018/hyperlinkcolor" showMasterPhAnim="0" showMasterSp="0">
   <p:cSld>
     <p:spTree>
       <p:nvGrpSpPr>
-        <p:cNvPr id="76" name="Shape 76"/>
+        <p:cNvPr id="84" name="Shape 84"/>
         <p:cNvGrpSpPr/>
         <p:nvPr/>
       </p:nvGrpSpPr>
@@ -1506,7 +1505,7 @@
       </p:grpSpPr>
       <p:sp>
         <p:nvSpPr>
-          <p:cNvPr id="77" name="Google Shape;77;g10389c9519e_0_22:notes"/>
+          <p:cNvPr id="85" name="Google Shape;85;g10389c9519e_0_28:notes"/>
           <p:cNvSpPr/>
           <p:nvPr>
             <p:ph idx="2" type="sldImg"/>
@@ -1541,7 +1540,7 @@
       </p:sp>
       <p:sp>
         <p:nvSpPr>
-          <p:cNvPr id="78" name="Google Shape;78;g10389c9519e_0_22:notes"/>
+          <p:cNvPr id="86" name="Google Shape;86;g10389c9519e_0_28:notes"/>
           <p:cNvSpPr txBox="1"/>
           <p:nvPr>
             <p:ph idx="1" type="body"/>
@@ -1586,12 +1585,12 @@
 </p:notes>
 </file>
 
-<file path=ppt/notesSlides/notesSlide6.xml><?xml version="1.0" encoding="utf-8"?>
+<file path=ppt/notesSlides/notesSlide7.xml><?xml version="1.0" encoding="utf-8"?>
 <p:notes xmlns:a="http://schemas.openxmlformats.org/drawingml/2006/main" xmlns:r="http://schemas.openxmlformats.org/officeDocument/2006/relationships" xmlns:mc="http://schemas.openxmlformats.org/markup-compatibility/2006" xmlns:mv="urn:schemas-microsoft-com:mac:vml" xmlns:p="http://schemas.openxmlformats.org/presentationml/2006/main" xmlns:c="http://schemas.openxmlformats.org/drawingml/2006/chart" xmlns:dgm="http://schemas.openxmlformats.org/drawingml/2006/diagram" xmlns:o="urn:schemas-microsoft-com:office:office" xmlns:v="urn:schemas-microsoft-com:vml" xmlns:pvml="urn:schemas-microsoft-com:office:powerpoint" xmlns:com="http://schemas.openxmlformats.org/drawingml/2006/compatibility" xmlns:p14="http://schemas.microsoft.com/office/powerpoint/2010/main" xmlns:p15="http://schemas.microsoft.com/office/powerpoint/2012/main" xmlns:ahyp="http://schemas.microsoft.com/office/drawing/2018/hyperlinkcolor" showMasterPhAnim="0" showMasterSp="0">
   <p:cSld>
     <p:spTree>
       <p:nvGrpSpPr>
-        <p:cNvPr id="83" name="Shape 83"/>
+        <p:cNvPr id="90" name="Shape 90"/>
         <p:cNvGrpSpPr/>
         <p:nvPr/>
       </p:nvGrpSpPr>
@@ -1605,7 +1604,7 @@
       </p:grpSpPr>
       <p:sp>
         <p:nvSpPr>
-          <p:cNvPr id="84" name="Google Shape;84;g10389c9519e_0_28:notes"/>
+          <p:cNvPr id="91" name="Google Shape;91;g6c0195124be9a8fd_0:notes"/>
           <p:cNvSpPr/>
           <p:nvPr>
             <p:ph idx="2" type="sldImg"/>
@@ -1640,7 +1639,7 @@
       </p:sp>
       <p:sp>
         <p:nvSpPr>
-          <p:cNvPr id="85" name="Google Shape;85;g10389c9519e_0_28:notes"/>
+          <p:cNvPr id="92" name="Google Shape;92;g6c0195124be9a8fd_0:notes"/>
           <p:cNvSpPr txBox="1"/>
           <p:nvPr>
             <p:ph idx="1" type="body"/>
@@ -1685,12 +1684,12 @@
 </p:notes>
 </file>
 
-<file path=ppt/notesSlides/notesSlide7.xml><?xml version="1.0" encoding="utf-8"?>
+<file path=ppt/notesSlides/notesSlide8.xml><?xml version="1.0" encoding="utf-8"?>
 <p:notes xmlns:a="http://schemas.openxmlformats.org/drawingml/2006/main" xmlns:r="http://schemas.openxmlformats.org/officeDocument/2006/relationships" xmlns:mc="http://schemas.openxmlformats.org/markup-compatibility/2006" xmlns:mv="urn:schemas-microsoft-com:mac:vml" xmlns:p="http://schemas.openxmlformats.org/presentationml/2006/main" xmlns:c="http://schemas.openxmlformats.org/drawingml/2006/chart" xmlns:dgm="http://schemas.openxmlformats.org/drawingml/2006/diagram" xmlns:o="urn:schemas-microsoft-com:office:office" xmlns:v="urn:schemas-microsoft-com:vml" xmlns:pvml="urn:schemas-microsoft-com:office:powerpoint" xmlns:com="http://schemas.openxmlformats.org/drawingml/2006/compatibility" xmlns:p14="http://schemas.microsoft.com/office/powerpoint/2010/main" xmlns:p15="http://schemas.microsoft.com/office/powerpoint/2012/main" xmlns:ahyp="http://schemas.microsoft.com/office/drawing/2018/hyperlinkcolor" showMasterPhAnim="0" showMasterSp="0">
   <p:cSld>
     <p:spTree>
       <p:nvGrpSpPr>
-        <p:cNvPr id="89" name="Shape 89"/>
+        <p:cNvPr id="96" name="Shape 96"/>
         <p:cNvGrpSpPr/>
         <p:nvPr/>
       </p:nvGrpSpPr>
@@ -1704,7 +1703,7 @@
       </p:grpSpPr>
       <p:sp>
         <p:nvSpPr>
-          <p:cNvPr id="90" name="Google Shape;90;g10389c9519e_0_33:notes"/>
+          <p:cNvPr id="97" name="Google Shape;97;g6c0195124be9a8fd_5:notes"/>
           <p:cNvSpPr/>
           <p:nvPr>
             <p:ph idx="2" type="sldImg"/>
@@ -1739,7 +1738,7 @@
       </p:sp>
       <p:sp>
         <p:nvSpPr>
-          <p:cNvPr id="91" name="Google Shape;91;g10389c9519e_0_33:notes"/>
+          <p:cNvPr id="98" name="Google Shape;98;g6c0195124be9a8fd_5:notes"/>
           <p:cNvSpPr txBox="1"/>
           <p:nvPr>
             <p:ph idx="1" type="body"/>
@@ -1784,12 +1783,12 @@
 </p:notes>
 </file>
 
-<file path=ppt/notesSlides/notesSlide8.xml><?xml version="1.0" encoding="utf-8"?>
+<file path=ppt/notesSlides/notesSlide9.xml><?xml version="1.0" encoding="utf-8"?>
 <p:notes xmlns:a="http://schemas.openxmlformats.org/drawingml/2006/main" xmlns:r="http://schemas.openxmlformats.org/officeDocument/2006/relationships" xmlns:mc="http://schemas.openxmlformats.org/markup-compatibility/2006" xmlns:mv="urn:schemas-microsoft-com:mac:vml" xmlns:p="http://schemas.openxmlformats.org/presentationml/2006/main" xmlns:c="http://schemas.openxmlformats.org/drawingml/2006/chart" xmlns:dgm="http://schemas.openxmlformats.org/drawingml/2006/diagram" xmlns:o="urn:schemas-microsoft-com:office:office" xmlns:v="urn:schemas-microsoft-com:vml" xmlns:pvml="urn:schemas-microsoft-com:office:powerpoint" xmlns:com="http://schemas.openxmlformats.org/drawingml/2006/compatibility" xmlns:p14="http://schemas.microsoft.com/office/powerpoint/2010/main" xmlns:p15="http://schemas.microsoft.com/office/powerpoint/2012/main" xmlns:ahyp="http://schemas.microsoft.com/office/drawing/2018/hyperlinkcolor" showMasterPhAnim="0" showMasterSp="0">
   <p:cSld>
     <p:spTree>
       <p:nvGrpSpPr>
-        <p:cNvPr id="95" name="Shape 95"/>
+        <p:cNvPr id="102" name="Shape 102"/>
         <p:cNvGrpSpPr/>
         <p:nvPr/>
       </p:nvGrpSpPr>
@@ -1803,7 +1802,7 @@
       </p:grpSpPr>
       <p:sp>
         <p:nvSpPr>
-          <p:cNvPr id="96" name="Google Shape;96;g6c0195124be9a8fd_0:notes"/>
+          <p:cNvPr id="103" name="Google Shape;103;g6c0195124be9a8fd_10:notes"/>
           <p:cNvSpPr/>
           <p:nvPr>
             <p:ph idx="2" type="sldImg"/>
@@ -1838,7 +1837,7 @@
       </p:sp>
       <p:sp>
         <p:nvSpPr>
-          <p:cNvPr id="97" name="Google Shape;97;g6c0195124be9a8fd_0:notes"/>
+          <p:cNvPr id="104" name="Google Shape;104;g6c0195124be9a8fd_10:notes"/>
           <p:cNvSpPr txBox="1"/>
           <p:nvPr>
             <p:ph idx="1" type="body"/>
@@ -1883,12 +1882,12 @@
 </p:notes>
 </file>
 
-<file path=ppt/notesSlides/notesSlide9.xml><?xml version="1.0" encoding="utf-8"?>
-<p:notes xmlns:a="http://schemas.openxmlformats.org/drawingml/2006/main" xmlns:r="http://schemas.openxmlformats.org/officeDocument/2006/relationships" xmlns:mc="http://schemas.openxmlformats.org/markup-compatibility/2006" xmlns:mv="urn:schemas-microsoft-com:mac:vml" xmlns:p="http://schemas.openxmlformats.org/presentationml/2006/main" xmlns:c="http://schemas.openxmlformats.org/drawingml/2006/chart" xmlns:dgm="http://schemas.openxmlformats.org/drawingml/2006/diagram" xmlns:o="urn:schemas-microsoft-com:office:office" xmlns:v="urn:schemas-microsoft-com:vml" xmlns:pvml="urn:schemas-microsoft-com:office:powerpoint" xmlns:com="http://schemas.openxmlformats.org/drawingml/2006/compatibility" xmlns:p14="http://schemas.microsoft.com/office/powerpoint/2010/main" xmlns:p15="http://schemas.microsoft.com/office/powerpoint/2012/main" xmlns:ahyp="http://schemas.microsoft.com/office/drawing/2018/hyperlinkcolor" showMasterPhAnim="0" showMasterSp="0">
-  <p:cSld>
+<file path=ppt/slideLayouts/slideLayout1.xml><?xml version="1.0" encoding="utf-8"?>
+<p:sldLayout xmlns:a="http://schemas.openxmlformats.org/drawingml/2006/main" xmlns:r="http://schemas.openxmlformats.org/officeDocument/2006/relationships" xmlns:mc="http://schemas.openxmlformats.org/markup-compatibility/2006" xmlns:mv="urn:schemas-microsoft-com:mac:vml" xmlns:p="http://schemas.openxmlformats.org/presentationml/2006/main" xmlns:c="http://schemas.openxmlformats.org/drawingml/2006/chart" xmlns:dgm="http://schemas.openxmlformats.org/drawingml/2006/diagram" xmlns:o="urn:schemas-microsoft-com:office:office" xmlns:v="urn:schemas-microsoft-com:vml" xmlns:pvml="urn:schemas-microsoft-com:office:powerpoint" xmlns:com="http://schemas.openxmlformats.org/drawingml/2006/compatibility" xmlns:p14="http://schemas.microsoft.com/office/powerpoint/2010/main" xmlns:p15="http://schemas.microsoft.com/office/powerpoint/2012/main" xmlns:ahyp="http://schemas.microsoft.com/office/drawing/2018/hyperlinkcolor" matchingName="Title slide" type="title">
+  <p:cSld name="TITLE">
     <p:spTree>
       <p:nvGrpSpPr>
-        <p:cNvPr id="101" name="Shape 101"/>
+        <p:cNvPr id="10" name="Shape 10"/>
         <p:cNvGrpSpPr/>
         <p:nvPr/>
       </p:nvGrpSpPr>
@@ -1902,106 +1901,7 @@
       </p:grpSpPr>
       <p:sp>
         <p:nvSpPr>
-          <p:cNvPr id="102" name="Google Shape;102;g6c0195124be9a8fd_5:notes"/>
-          <p:cNvSpPr/>
-          <p:nvPr>
-            <p:ph idx="2" type="sldImg"/>
-          </p:nvPr>
-        </p:nvSpPr>
-        <p:spPr>
-          <a:xfrm>
-            <a:off x="381300" y="685800"/>
-            <a:ext cx="6096000" cy="3429000"/>
-          </a:xfrm>
-          <a:custGeom>
-            <a:rect b="b" l="l" r="r" t="t"/>
-            <a:pathLst>
-              <a:path extrusionOk="0" h="120000" w="120000">
-                <a:moveTo>
-                  <a:pt x="0" y="0"/>
-                </a:moveTo>
-                <a:lnTo>
-                  <a:pt x="120000" y="0"/>
-                </a:lnTo>
-                <a:lnTo>
-                  <a:pt x="120000" y="120000"/>
-                </a:lnTo>
-                <a:lnTo>
-                  <a:pt x="0" y="120000"/>
-                </a:lnTo>
-                <a:close/>
-              </a:path>
-            </a:pathLst>
-          </a:custGeom>
-        </p:spPr>
-      </p:sp>
-      <p:sp>
-        <p:nvSpPr>
-          <p:cNvPr id="103" name="Google Shape;103;g6c0195124be9a8fd_5:notes"/>
-          <p:cNvSpPr txBox="1"/>
-          <p:nvPr>
-            <p:ph idx="1" type="body"/>
-          </p:nvPr>
-        </p:nvSpPr>
-        <p:spPr>
-          <a:xfrm>
-            <a:off x="685800" y="4343400"/>
-            <a:ext cx="5486400" cy="4114800"/>
-          </a:xfrm>
-          <a:prstGeom prst="rect">
-            <a:avLst/>
-          </a:prstGeom>
-        </p:spPr>
-        <p:txBody>
-          <a:bodyPr anchorCtr="0" anchor="t" bIns="91425" lIns="91425" spcFirstLastPara="1" rIns="91425" wrap="square" tIns="91425">
-            <a:noAutofit/>
-          </a:bodyPr>
-          <a:lstStyle/>
-          <a:p>
-            <a:pPr indent="0" lvl="0" marL="0" rtl="0" algn="l">
-              <a:spcBef>
-                <a:spcPts val="0"/>
-              </a:spcBef>
-              <a:spcAft>
-                <a:spcPts val="0"/>
-              </a:spcAft>
-              <a:buNone/>
-            </a:pPr>
-            <a:r>
-              <a:t/>
-            </a:r>
-            <a:endParaRPr/>
-          </a:p>
-        </p:txBody>
-      </p:sp>
-    </p:spTree>
-  </p:cSld>
-  <p:clrMapOvr>
-    <a:masterClrMapping/>
-  </p:clrMapOvr>
-</p:notes>
-</file>
-
-<file path=ppt/slideLayouts/slideLayout1.xml><?xml version="1.0" encoding="utf-8"?>
-<p:sldLayout xmlns:a="http://schemas.openxmlformats.org/drawingml/2006/main" xmlns:r="http://schemas.openxmlformats.org/officeDocument/2006/relationships" xmlns:mc="http://schemas.openxmlformats.org/markup-compatibility/2006" xmlns:mv="urn:schemas-microsoft-com:mac:vml" xmlns:p="http://schemas.openxmlformats.org/presentationml/2006/main" xmlns:c="http://schemas.openxmlformats.org/drawingml/2006/chart" xmlns:dgm="http://schemas.openxmlformats.org/drawingml/2006/diagram" xmlns:o="urn:schemas-microsoft-com:office:office" xmlns:v="urn:schemas-microsoft-com:vml" xmlns:pvml="urn:schemas-microsoft-com:office:powerpoint" xmlns:com="http://schemas.openxmlformats.org/drawingml/2006/compatibility" xmlns:p14="http://schemas.microsoft.com/office/powerpoint/2010/main" xmlns:p15="http://schemas.microsoft.com/office/powerpoint/2012/main" xmlns:ahyp="http://schemas.microsoft.com/office/drawing/2018/hyperlinkcolor" matchingName="Title slide" type="title">
-  <p:cSld name="TITLE">
-    <p:spTree>
-      <p:nvGrpSpPr>
-        <p:cNvPr id="9" name="Shape 9"/>
-        <p:cNvGrpSpPr/>
-        <p:nvPr/>
-      </p:nvGrpSpPr>
-      <p:grpSpPr>
-        <a:xfrm>
-          <a:off x="0" y="0"/>
-          <a:ext cx="0" cy="0"/>
-          <a:chOff x="0" y="0"/>
-          <a:chExt cx="0" cy="0"/>
-        </a:xfrm>
-      </p:grpSpPr>
-      <p:sp>
-        <p:nvSpPr>
-          <p:cNvPr id="10" name="Google Shape;10;p2"/>
+          <p:cNvPr id="11" name="Google Shape;11;p2"/>
           <p:cNvSpPr txBox="1"/>
           <p:nvPr>
             <p:ph type="ctrTitle"/>
@@ -2126,7 +2026,7 @@
       </p:sp>
       <p:sp>
         <p:nvSpPr>
-          <p:cNvPr id="11" name="Google Shape;11;p2"/>
+          <p:cNvPr id="12" name="Google Shape;12;p2"/>
           <p:cNvSpPr txBox="1"/>
           <p:nvPr>
             <p:ph idx="1" type="subTitle"/>
@@ -2278,7 +2178,7 @@
       </p:sp>
       <p:sp>
         <p:nvSpPr>
-          <p:cNvPr id="12" name="Google Shape;12;p2"/>
+          <p:cNvPr id="13" name="Google Shape;13;p2"/>
           <p:cNvSpPr txBox="1"/>
           <p:nvPr>
             <p:ph idx="12" type="sldNum"/>
@@ -2366,7 +2266,7 @@
   <p:cSld name="BIG_NUMBER">
     <p:spTree>
       <p:nvGrpSpPr>
-        <p:cNvPr id="44" name="Shape 44"/>
+        <p:cNvPr id="45" name="Shape 45"/>
         <p:cNvGrpSpPr/>
         <p:nvPr/>
       </p:nvGrpSpPr>
@@ -2380,7 +2280,7 @@
       </p:grpSpPr>
       <p:sp>
         <p:nvSpPr>
-          <p:cNvPr id="45" name="Google Shape;45;p11"/>
+          <p:cNvPr id="46" name="Google Shape;46;p11"/>
           <p:cNvSpPr txBox="1"/>
           <p:nvPr>
             <p:ph hasCustomPrompt="1" type="title"/>
@@ -2509,7 +2409,7 @@
       </p:sp>
       <p:sp>
         <p:nvSpPr>
-          <p:cNvPr id="46" name="Google Shape;46;p11"/>
+          <p:cNvPr id="47" name="Google Shape;47;p11"/>
           <p:cNvSpPr txBox="1"/>
           <p:nvPr>
             <p:ph idx="1" type="body"/>
@@ -2634,7 +2534,7 @@
       </p:sp>
       <p:sp>
         <p:nvSpPr>
-          <p:cNvPr id="47" name="Google Shape;47;p11"/>
+          <p:cNvPr id="48" name="Google Shape;48;p11"/>
           <p:cNvSpPr txBox="1"/>
           <p:nvPr>
             <p:ph idx="12" type="sldNum"/>
@@ -2722,7 +2622,7 @@
   <p:cSld name="BLANK">
     <p:spTree>
       <p:nvGrpSpPr>
-        <p:cNvPr id="48" name="Shape 48"/>
+        <p:cNvPr id="49" name="Shape 49"/>
         <p:cNvGrpSpPr/>
         <p:nvPr/>
       </p:nvGrpSpPr>
@@ -2736,7 +2636,7 @@
       </p:grpSpPr>
       <p:sp>
         <p:nvSpPr>
-          <p:cNvPr id="49" name="Google Shape;49;p12"/>
+          <p:cNvPr id="50" name="Google Shape;50;p12"/>
           <p:cNvSpPr txBox="1"/>
           <p:nvPr>
             <p:ph idx="12" type="sldNum"/>
@@ -2824,7 +2724,7 @@
   <p:cSld name="SECTION_HEADER">
     <p:spTree>
       <p:nvGrpSpPr>
-        <p:cNvPr id="13" name="Shape 13"/>
+        <p:cNvPr id="14" name="Shape 14"/>
         <p:cNvGrpSpPr/>
         <p:nvPr/>
       </p:nvGrpSpPr>
@@ -2838,7 +2738,7 @@
       </p:grpSpPr>
       <p:sp>
         <p:nvSpPr>
-          <p:cNvPr id="14" name="Google Shape;14;p3"/>
+          <p:cNvPr id="15" name="Google Shape;15;p3"/>
           <p:cNvSpPr txBox="1"/>
           <p:nvPr>
             <p:ph type="title"/>
@@ -2963,7 +2863,7 @@
       </p:sp>
       <p:sp>
         <p:nvSpPr>
-          <p:cNvPr id="15" name="Google Shape;15;p3"/>
+          <p:cNvPr id="16" name="Google Shape;16;p3"/>
           <p:cNvSpPr txBox="1"/>
           <p:nvPr>
             <p:ph idx="12" type="sldNum"/>
@@ -3051,7 +2951,7 @@
   <p:cSld name="TITLE_AND_BODY">
     <p:spTree>
       <p:nvGrpSpPr>
-        <p:cNvPr id="16" name="Shape 16"/>
+        <p:cNvPr id="17" name="Shape 17"/>
         <p:cNvGrpSpPr/>
         <p:nvPr/>
       </p:nvGrpSpPr>
@@ -3065,7 +2965,7 @@
       </p:grpSpPr>
       <p:sp>
         <p:nvSpPr>
-          <p:cNvPr id="17" name="Google Shape;17;p4"/>
+          <p:cNvPr id="18" name="Google Shape;18;p4"/>
           <p:cNvSpPr txBox="1"/>
           <p:nvPr>
             <p:ph type="title"/>
@@ -3190,7 +3090,7 @@
       </p:sp>
       <p:sp>
         <p:nvSpPr>
-          <p:cNvPr id="18" name="Google Shape;18;p4"/>
+          <p:cNvPr id="19" name="Google Shape;19;p4"/>
           <p:cNvSpPr txBox="1"/>
           <p:nvPr>
             <p:ph idx="1" type="body"/>
@@ -3315,7 +3215,7 @@
       </p:sp>
       <p:sp>
         <p:nvSpPr>
-          <p:cNvPr id="19" name="Google Shape;19;p4"/>
+          <p:cNvPr id="20" name="Google Shape;20;p4"/>
           <p:cNvSpPr txBox="1"/>
           <p:nvPr>
             <p:ph idx="12" type="sldNum"/>
@@ -3403,7 +3303,7 @@
   <p:cSld name="TITLE_AND_TWO_COLUMNS">
     <p:spTree>
       <p:nvGrpSpPr>
-        <p:cNvPr id="20" name="Shape 20"/>
+        <p:cNvPr id="21" name="Shape 21"/>
         <p:cNvGrpSpPr/>
         <p:nvPr/>
       </p:nvGrpSpPr>
@@ -3417,7 +3317,7 @@
       </p:grpSpPr>
       <p:sp>
         <p:nvSpPr>
-          <p:cNvPr id="21" name="Google Shape;21;p5"/>
+          <p:cNvPr id="22" name="Google Shape;22;p5"/>
           <p:cNvSpPr txBox="1"/>
           <p:nvPr>
             <p:ph type="title"/>
@@ -3542,7 +3442,7 @@
       </p:sp>
       <p:sp>
         <p:nvSpPr>
-          <p:cNvPr id="22" name="Google Shape;22;p5"/>
+          <p:cNvPr id="23" name="Google Shape;23;p5"/>
           <p:cNvSpPr txBox="1"/>
           <p:nvPr>
             <p:ph idx="1" type="body"/>
@@ -3667,7 +3567,7 @@
       </p:sp>
       <p:sp>
         <p:nvSpPr>
-          <p:cNvPr id="23" name="Google Shape;23;p5"/>
+          <p:cNvPr id="24" name="Google Shape;24;p5"/>
           <p:cNvSpPr txBox="1"/>
           <p:nvPr>
             <p:ph idx="2" type="body"/>
@@ -3792,7 +3692,7 @@
       </p:sp>
       <p:sp>
         <p:nvSpPr>
-          <p:cNvPr id="24" name="Google Shape;24;p5"/>
+          <p:cNvPr id="25" name="Google Shape;25;p5"/>
           <p:cNvSpPr txBox="1"/>
           <p:nvPr>
             <p:ph idx="12" type="sldNum"/>
@@ -3880,7 +3780,7 @@
   <p:cSld name="TITLE_ONLY">
     <p:spTree>
       <p:nvGrpSpPr>
-        <p:cNvPr id="25" name="Shape 25"/>
+        <p:cNvPr id="26" name="Shape 26"/>
         <p:cNvGrpSpPr/>
         <p:nvPr/>
       </p:nvGrpSpPr>
@@ -3894,7 +3794,7 @@
       </p:grpSpPr>
       <p:sp>
         <p:nvSpPr>
-          <p:cNvPr id="26" name="Google Shape;26;p6"/>
+          <p:cNvPr id="27" name="Google Shape;27;p6"/>
           <p:cNvSpPr txBox="1"/>
           <p:nvPr>
             <p:ph type="title"/>
@@ -4019,7 +3919,7 @@
       </p:sp>
       <p:sp>
         <p:nvSpPr>
-          <p:cNvPr id="27" name="Google Shape;27;p6"/>
+          <p:cNvPr id="28" name="Google Shape;28;p6"/>
           <p:cNvSpPr txBox="1"/>
           <p:nvPr>
             <p:ph idx="12" type="sldNum"/>
@@ -4107,7 +4007,7 @@
   <p:cSld name="ONE_COLUMN_TEXT">
     <p:spTree>
       <p:nvGrpSpPr>
-        <p:cNvPr id="28" name="Shape 28"/>
+        <p:cNvPr id="29" name="Shape 29"/>
         <p:cNvGrpSpPr/>
         <p:nvPr/>
       </p:nvGrpSpPr>
@@ -4121,7 +4021,7 @@
       </p:grpSpPr>
       <p:sp>
         <p:nvSpPr>
-          <p:cNvPr id="29" name="Google Shape;29;p7"/>
+          <p:cNvPr id="30" name="Google Shape;30;p7"/>
           <p:cNvSpPr txBox="1"/>
           <p:nvPr>
             <p:ph type="title"/>
@@ -4246,7 +4146,7 @@
       </p:sp>
       <p:sp>
         <p:nvSpPr>
-          <p:cNvPr id="30" name="Google Shape;30;p7"/>
+          <p:cNvPr id="31" name="Google Shape;31;p7"/>
           <p:cNvSpPr txBox="1"/>
           <p:nvPr>
             <p:ph idx="1" type="body"/>
@@ -4371,7 +4271,7 @@
       </p:sp>
       <p:sp>
         <p:nvSpPr>
-          <p:cNvPr id="31" name="Google Shape;31;p7"/>
+          <p:cNvPr id="32" name="Google Shape;32;p7"/>
           <p:cNvSpPr txBox="1"/>
           <p:nvPr>
             <p:ph idx="12" type="sldNum"/>
@@ -4459,7 +4359,7 @@
   <p:cSld name="MAIN_POINT">
     <p:spTree>
       <p:nvGrpSpPr>
-        <p:cNvPr id="32" name="Shape 32"/>
+        <p:cNvPr id="33" name="Shape 33"/>
         <p:cNvGrpSpPr/>
         <p:nvPr/>
       </p:nvGrpSpPr>
@@ -4473,7 +4373,7 @@
       </p:grpSpPr>
       <p:sp>
         <p:nvSpPr>
-          <p:cNvPr id="33" name="Google Shape;33;p8"/>
+          <p:cNvPr id="34" name="Google Shape;34;p8"/>
           <p:cNvSpPr txBox="1"/>
           <p:nvPr>
             <p:ph type="title"/>
@@ -4598,7 +4498,7 @@
       </p:sp>
       <p:sp>
         <p:nvSpPr>
-          <p:cNvPr id="34" name="Google Shape;34;p8"/>
+          <p:cNvPr id="35" name="Google Shape;35;p8"/>
           <p:cNvSpPr txBox="1"/>
           <p:nvPr>
             <p:ph idx="12" type="sldNum"/>
@@ -4686,7 +4586,7 @@
   <p:cSld name="SECTION_TITLE_AND_DESCRIPTION">
     <p:spTree>
       <p:nvGrpSpPr>
-        <p:cNvPr id="35" name="Shape 35"/>
+        <p:cNvPr id="36" name="Shape 36"/>
         <p:cNvGrpSpPr/>
         <p:nvPr/>
       </p:nvGrpSpPr>
@@ -4700,20 +4600,20 @@
       </p:grpSpPr>
       <p:sp>
         <p:nvSpPr>
-          <p:cNvPr id="36" name="Google Shape;36;p9"/>
+          <p:cNvPr id="37" name="Google Shape;37;p9"/>
           <p:cNvSpPr/>
           <p:nvPr/>
         </p:nvSpPr>
         <p:spPr>
           <a:xfrm>
-            <a:off x="4572000" y="-125"/>
+            <a:off x="4572000" y="25"/>
             <a:ext cx="4572000" cy="5143500"/>
           </a:xfrm>
           <a:prstGeom prst="rect">
             <a:avLst/>
           </a:prstGeom>
           <a:solidFill>
-            <a:schemeClr val="lt2"/>
+            <a:schemeClr val="dk2"/>
           </a:solidFill>
           <a:ln>
             <a:noFill/>
@@ -4743,7 +4643,7 @@
       </p:sp>
       <p:sp>
         <p:nvSpPr>
-          <p:cNvPr id="37" name="Google Shape;37;p9"/>
+          <p:cNvPr id="38" name="Google Shape;38;p9"/>
           <p:cNvSpPr txBox="1"/>
           <p:nvPr>
             <p:ph type="title"/>
@@ -4868,7 +4768,7 @@
       </p:sp>
       <p:sp>
         <p:nvSpPr>
-          <p:cNvPr id="38" name="Google Shape;38;p9"/>
+          <p:cNvPr id="39" name="Google Shape;39;p9"/>
           <p:cNvSpPr txBox="1"/>
           <p:nvPr>
             <p:ph idx="1" type="subTitle"/>
@@ -5020,7 +4920,7 @@
       </p:sp>
       <p:sp>
         <p:nvSpPr>
-          <p:cNvPr id="39" name="Google Shape;39;p9"/>
+          <p:cNvPr id="40" name="Google Shape;40;p9"/>
           <p:cNvSpPr txBox="1"/>
           <p:nvPr>
             <p:ph idx="2" type="body"/>
@@ -5028,7 +4928,7 @@
         </p:nvSpPr>
         <p:spPr>
           <a:xfrm>
-            <a:off x="4939500" y="724075"/>
+            <a:off x="4939500" y="724200"/>
             <a:ext cx="3837000" cy="3695100"/>
           </a:xfrm>
           <a:prstGeom prst="rect">
@@ -5047,9 +4947,16 @@
               <a:spcAft>
                 <a:spcPts val="0"/>
               </a:spcAft>
+              <a:buClr>
+                <a:schemeClr val="dk1"/>
+              </a:buClr>
               <a:buSzPts val="1800"/>
               <a:buChar char="●"/>
-              <a:defRPr/>
+              <a:defRPr>
+                <a:solidFill>
+                  <a:schemeClr val="dk1"/>
+                </a:solidFill>
+              </a:defRPr>
             </a:lvl1pPr>
             <a:lvl2pPr indent="-317500" lvl="1" marL="914400">
               <a:spcBef>
@@ -5058,9 +4965,16 @@
               <a:spcAft>
                 <a:spcPts val="0"/>
               </a:spcAft>
+              <a:buClr>
+                <a:schemeClr val="dk1"/>
+              </a:buClr>
               <a:buSzPts val="1400"/>
               <a:buChar char="○"/>
-              <a:defRPr/>
+              <a:defRPr>
+                <a:solidFill>
+                  <a:schemeClr val="dk1"/>
+                </a:solidFill>
+              </a:defRPr>
             </a:lvl2pPr>
             <a:lvl3pPr indent="-317500" lvl="2" marL="1371600">
               <a:spcBef>
@@ -5069,9 +4983,16 @@
               <a:spcAft>
                 <a:spcPts val="0"/>
               </a:spcAft>
+              <a:buClr>
+                <a:schemeClr val="dk1"/>
+              </a:buClr>
               <a:buSzPts val="1400"/>
               <a:buChar char="■"/>
-              <a:defRPr/>
+              <a:defRPr>
+                <a:solidFill>
+                  <a:schemeClr val="dk1"/>
+                </a:solidFill>
+              </a:defRPr>
             </a:lvl3pPr>
             <a:lvl4pPr indent="-317500" lvl="3" marL="1828800">
               <a:spcBef>
@@ -5080,9 +5001,16 @@
               <a:spcAft>
                 <a:spcPts val="0"/>
               </a:spcAft>
+              <a:buClr>
+                <a:schemeClr val="dk1"/>
+              </a:buClr>
               <a:buSzPts val="1400"/>
               <a:buChar char="●"/>
-              <a:defRPr/>
+              <a:defRPr>
+                <a:solidFill>
+                  <a:schemeClr val="dk1"/>
+                </a:solidFill>
+              </a:defRPr>
             </a:lvl4pPr>
             <a:lvl5pPr indent="-317500" lvl="4" marL="2286000">
               <a:spcBef>
@@ -5091,9 +5019,16 @@
               <a:spcAft>
                 <a:spcPts val="0"/>
               </a:spcAft>
+              <a:buClr>
+                <a:schemeClr val="dk1"/>
+              </a:buClr>
               <a:buSzPts val="1400"/>
               <a:buChar char="○"/>
-              <a:defRPr/>
+              <a:defRPr>
+                <a:solidFill>
+                  <a:schemeClr val="dk1"/>
+                </a:solidFill>
+              </a:defRPr>
             </a:lvl5pPr>
             <a:lvl6pPr indent="-317500" lvl="5" marL="2743200">
               <a:spcBef>
@@ -5102,9 +5037,16 @@
               <a:spcAft>
                 <a:spcPts val="0"/>
               </a:spcAft>
+              <a:buClr>
+                <a:schemeClr val="dk1"/>
+              </a:buClr>
               <a:buSzPts val="1400"/>
               <a:buChar char="■"/>
-              <a:defRPr/>
+              <a:defRPr>
+                <a:solidFill>
+                  <a:schemeClr val="dk1"/>
+                </a:solidFill>
+              </a:defRPr>
             </a:lvl6pPr>
             <a:lvl7pPr indent="-317500" lvl="6" marL="3200400">
               <a:spcBef>
@@ -5113,9 +5055,16 @@
               <a:spcAft>
                 <a:spcPts val="0"/>
               </a:spcAft>
+              <a:buClr>
+                <a:schemeClr val="dk1"/>
+              </a:buClr>
               <a:buSzPts val="1400"/>
               <a:buChar char="●"/>
-              <a:defRPr/>
+              <a:defRPr>
+                <a:solidFill>
+                  <a:schemeClr val="dk1"/>
+                </a:solidFill>
+              </a:defRPr>
             </a:lvl7pPr>
             <a:lvl8pPr indent="-317500" lvl="7" marL="3657600">
               <a:spcBef>
@@ -5124,9 +5073,16 @@
               <a:spcAft>
                 <a:spcPts val="0"/>
               </a:spcAft>
+              <a:buClr>
+                <a:schemeClr val="dk1"/>
+              </a:buClr>
               <a:buSzPts val="1400"/>
               <a:buChar char="○"/>
-              <a:defRPr/>
+              <a:defRPr>
+                <a:solidFill>
+                  <a:schemeClr val="dk1"/>
+                </a:solidFill>
+              </a:defRPr>
             </a:lvl8pPr>
             <a:lvl9pPr indent="-317500" lvl="8" marL="4114800">
               <a:spcBef>
@@ -5135,9 +5091,16 @@
               <a:spcAft>
                 <a:spcPts val="0"/>
               </a:spcAft>
+              <a:buClr>
+                <a:schemeClr val="dk1"/>
+              </a:buClr>
               <a:buSzPts val="1400"/>
               <a:buChar char="■"/>
-              <a:defRPr/>
+              <a:defRPr>
+                <a:solidFill>
+                  <a:schemeClr val="dk1"/>
+                </a:solidFill>
+              </a:defRPr>
             </a:lvl9pPr>
           </a:lstStyle>
           <a:p/>
@@ -5145,7 +5108,7 @@
       </p:sp>
       <p:sp>
         <p:nvSpPr>
-          <p:cNvPr id="40" name="Google Shape;40;p9"/>
+          <p:cNvPr id="41" name="Google Shape;41;p9"/>
           <p:cNvSpPr txBox="1"/>
           <p:nvPr>
             <p:ph idx="12" type="sldNum"/>
@@ -5233,7 +5196,7 @@
   <p:cSld name="CAPTION_ONLY">
     <p:spTree>
       <p:nvGrpSpPr>
-        <p:cNvPr id="41" name="Shape 41"/>
+        <p:cNvPr id="42" name="Shape 42"/>
         <p:cNvGrpSpPr/>
         <p:nvPr/>
       </p:nvGrpSpPr>
@@ -5247,7 +5210,7 @@
       </p:grpSpPr>
       <p:sp>
         <p:nvSpPr>
-          <p:cNvPr id="42" name="Google Shape;42;p10"/>
+          <p:cNvPr id="43" name="Google Shape;43;p10"/>
           <p:cNvSpPr txBox="1"/>
           <p:nvPr>
             <p:ph idx="1" type="body"/>
@@ -5287,7 +5250,7 @@
       </p:sp>
       <p:sp>
         <p:nvSpPr>
-          <p:cNvPr id="43" name="Google Shape;43;p10"/>
+          <p:cNvPr id="44" name="Google Shape;44;p10"/>
           <p:cNvSpPr txBox="1"/>
           <p:nvPr>
             <p:ph idx="12" type="sldNum"/>
@@ -5372,7 +5335,7 @@
 
 <file path=ppt/slideMasters/slideMaster1.xml><?xml version="1.0" encoding="utf-8"?>
 <p:sldMaster xmlns:a="http://schemas.openxmlformats.org/drawingml/2006/main" xmlns:r="http://schemas.openxmlformats.org/officeDocument/2006/relationships" xmlns:mc="http://schemas.openxmlformats.org/markup-compatibility/2006" xmlns:mv="urn:schemas-microsoft-com:mac:vml" xmlns:p="http://schemas.openxmlformats.org/presentationml/2006/main" xmlns:c="http://schemas.openxmlformats.org/drawingml/2006/chart" xmlns:dgm="http://schemas.openxmlformats.org/drawingml/2006/diagram" xmlns:o="urn:schemas-microsoft-com:office:office" xmlns:v="urn:schemas-microsoft-com:vml" xmlns:pvml="urn:schemas-microsoft-com:office:powerpoint" xmlns:com="http://schemas.openxmlformats.org/drawingml/2006/compatibility" xmlns:p14="http://schemas.microsoft.com/office/powerpoint/2010/main" xmlns:p15="http://schemas.microsoft.com/office/powerpoint/2012/main" xmlns:ahyp="http://schemas.microsoft.com/office/drawing/2018/hyperlinkcolor">
-  <p:cSld name="simple-light-2">
+  <p:cSld name="simple-dark-2">
     <p:bg>
       <p:bgPr>
         <a:solidFill>
@@ -5623,13 +5586,13 @@
                 <a:spcPts val="0"/>
               </a:spcAft>
               <a:buClr>
-                <a:schemeClr val="dk2"/>
+                <a:schemeClr val="lt2"/>
               </a:buClr>
               <a:buSzPts val="1800"/>
               <a:buChar char="●"/>
               <a:defRPr sz="1800">
                 <a:solidFill>
-                  <a:schemeClr val="dk2"/>
+                  <a:schemeClr val="lt2"/>
                 </a:solidFill>
               </a:defRPr>
             </a:lvl1pPr>
@@ -5644,13 +5607,13 @@
                 <a:spcPts val="0"/>
               </a:spcAft>
               <a:buClr>
-                <a:schemeClr val="dk2"/>
+                <a:schemeClr val="lt2"/>
               </a:buClr>
               <a:buSzPts val="1400"/>
               <a:buChar char="○"/>
               <a:defRPr>
                 <a:solidFill>
-                  <a:schemeClr val="dk2"/>
+                  <a:schemeClr val="lt2"/>
                 </a:solidFill>
               </a:defRPr>
             </a:lvl2pPr>
@@ -5665,13 +5628,13 @@
                 <a:spcPts val="0"/>
               </a:spcAft>
               <a:buClr>
-                <a:schemeClr val="dk2"/>
+                <a:schemeClr val="lt2"/>
               </a:buClr>
               <a:buSzPts val="1400"/>
               <a:buChar char="■"/>
               <a:defRPr>
                 <a:solidFill>
-                  <a:schemeClr val="dk2"/>
+                  <a:schemeClr val="lt2"/>
                 </a:solidFill>
               </a:defRPr>
             </a:lvl3pPr>
@@ -5686,13 +5649,13 @@
                 <a:spcPts val="0"/>
               </a:spcAft>
               <a:buClr>
-                <a:schemeClr val="dk2"/>
+                <a:schemeClr val="lt2"/>
               </a:buClr>
               <a:buSzPts val="1400"/>
               <a:buChar char="●"/>
               <a:defRPr>
                 <a:solidFill>
-                  <a:schemeClr val="dk2"/>
+                  <a:schemeClr val="lt2"/>
                 </a:solidFill>
               </a:defRPr>
             </a:lvl4pPr>
@@ -5707,13 +5670,13 @@
                 <a:spcPts val="0"/>
               </a:spcAft>
               <a:buClr>
-                <a:schemeClr val="dk2"/>
+                <a:schemeClr val="lt2"/>
               </a:buClr>
               <a:buSzPts val="1400"/>
               <a:buChar char="○"/>
               <a:defRPr>
                 <a:solidFill>
-                  <a:schemeClr val="dk2"/>
+                  <a:schemeClr val="lt2"/>
                 </a:solidFill>
               </a:defRPr>
             </a:lvl5pPr>
@@ -5728,13 +5691,13 @@
                 <a:spcPts val="0"/>
               </a:spcAft>
               <a:buClr>
-                <a:schemeClr val="dk2"/>
+                <a:schemeClr val="lt2"/>
               </a:buClr>
               <a:buSzPts val="1400"/>
               <a:buChar char="■"/>
               <a:defRPr>
                 <a:solidFill>
-                  <a:schemeClr val="dk2"/>
+                  <a:schemeClr val="lt2"/>
                 </a:solidFill>
               </a:defRPr>
             </a:lvl6pPr>
@@ -5749,13 +5712,13 @@
                 <a:spcPts val="0"/>
               </a:spcAft>
               <a:buClr>
-                <a:schemeClr val="dk2"/>
+                <a:schemeClr val="lt2"/>
               </a:buClr>
               <a:buSzPts val="1400"/>
               <a:buChar char="●"/>
               <a:defRPr>
                 <a:solidFill>
-                  <a:schemeClr val="dk2"/>
+                  <a:schemeClr val="lt2"/>
                 </a:solidFill>
               </a:defRPr>
             </a:lvl7pPr>
@@ -5770,13 +5733,13 @@
                 <a:spcPts val="0"/>
               </a:spcAft>
               <a:buClr>
-                <a:schemeClr val="dk2"/>
+                <a:schemeClr val="lt2"/>
               </a:buClr>
               <a:buSzPts val="1400"/>
               <a:buChar char="○"/>
               <a:defRPr>
                 <a:solidFill>
-                  <a:schemeClr val="dk2"/>
+                  <a:schemeClr val="lt2"/>
                 </a:solidFill>
               </a:defRPr>
             </a:lvl8pPr>
@@ -5791,13 +5754,13 @@
                 <a:spcPts val="0"/>
               </a:spcAft>
               <a:buClr>
-                <a:schemeClr val="dk2"/>
+                <a:schemeClr val="lt2"/>
               </a:buClr>
               <a:buSzPts val="1400"/>
               <a:buChar char="■"/>
               <a:defRPr>
                 <a:solidFill>
-                  <a:schemeClr val="dk2"/>
+                  <a:schemeClr val="lt2"/>
                 </a:solidFill>
               </a:defRPr>
             </a:lvl9pPr>
@@ -5835,7 +5798,7 @@
               <a:buNone/>
               <a:defRPr sz="1000">
                 <a:solidFill>
-                  <a:schemeClr val="dk2"/>
+                  <a:schemeClr val="lt2"/>
                 </a:solidFill>
               </a:defRPr>
             </a:lvl1pPr>
@@ -5843,7 +5806,7 @@
               <a:buNone/>
               <a:defRPr sz="1000">
                 <a:solidFill>
-                  <a:schemeClr val="dk2"/>
+                  <a:schemeClr val="lt2"/>
                 </a:solidFill>
               </a:defRPr>
             </a:lvl2pPr>
@@ -5851,7 +5814,7 @@
               <a:buNone/>
               <a:defRPr sz="1000">
                 <a:solidFill>
-                  <a:schemeClr val="dk2"/>
+                  <a:schemeClr val="lt2"/>
                 </a:solidFill>
               </a:defRPr>
             </a:lvl3pPr>
@@ -5859,7 +5822,7 @@
               <a:buNone/>
               <a:defRPr sz="1000">
                 <a:solidFill>
-                  <a:schemeClr val="dk2"/>
+                  <a:schemeClr val="lt2"/>
                 </a:solidFill>
               </a:defRPr>
             </a:lvl4pPr>
@@ -5867,7 +5830,7 @@
               <a:buNone/>
               <a:defRPr sz="1000">
                 <a:solidFill>
-                  <a:schemeClr val="dk2"/>
+                  <a:schemeClr val="lt2"/>
                 </a:solidFill>
               </a:defRPr>
             </a:lvl5pPr>
@@ -5875,7 +5838,7 @@
               <a:buNone/>
               <a:defRPr sz="1000">
                 <a:solidFill>
-                  <a:schemeClr val="dk2"/>
+                  <a:schemeClr val="lt2"/>
                 </a:solidFill>
               </a:defRPr>
             </a:lvl6pPr>
@@ -5883,7 +5846,7 @@
               <a:buNone/>
               <a:defRPr sz="1000">
                 <a:solidFill>
-                  <a:schemeClr val="dk2"/>
+                  <a:schemeClr val="lt2"/>
                 </a:solidFill>
               </a:defRPr>
             </a:lvl7pPr>
@@ -5891,7 +5854,7 @@
               <a:buNone/>
               <a:defRPr sz="1000">
                 <a:solidFill>
-                  <a:schemeClr val="dk2"/>
+                  <a:schemeClr val="lt2"/>
                 </a:solidFill>
               </a:defRPr>
             </a:lvl8pPr>
@@ -5899,7 +5862,7 @@
               <a:buNone/>
               <a:defRPr sz="1000">
                 <a:solidFill>
-                  <a:schemeClr val="dk2"/>
+                  <a:schemeClr val="lt2"/>
                 </a:solidFill>
               </a:defRPr>
             </a:lvl9pPr>
@@ -5922,21 +5885,49 @@
           </a:p>
         </p:txBody>
       </p:sp>
+      <p:pic>
+        <p:nvPicPr>
+          <p:cNvPr id="9" name="Google Shape;9;p1"/>
+          <p:cNvPicPr preferRelativeResize="0"/>
+          <p:nvPr/>
+        </p:nvPicPr>
+        <p:blipFill>
+          <a:blip r:embed="rId1">
+            <a:alphaModFix/>
+          </a:blip>
+          <a:stretch>
+            <a:fillRect/>
+          </a:stretch>
+        </p:blipFill>
+        <p:spPr>
+          <a:xfrm>
+            <a:off x="6780247" y="4043772"/>
+            <a:ext cx="2363750" cy="1013050"/>
+          </a:xfrm>
+          <a:prstGeom prst="rect">
+            <a:avLst/>
+          </a:prstGeom>
+          <a:noFill/>
+          <a:ln>
+            <a:noFill/>
+          </a:ln>
+        </p:spPr>
+      </p:pic>
     </p:spTree>
   </p:cSld>
   <p:clrMap accent1="accent1" accent2="accent2" accent3="accent3" accent4="accent4" accent5="accent5" accent6="accent6" bg1="lt1" bg2="dk2" tx1="dk1" tx2="lt2" folHlink="folHlink" hlink="hlink"/>
   <p:sldLayoutIdLst>
-    <p:sldLayoutId id="2147483648" r:id="rId1"/>
-    <p:sldLayoutId id="2147483649" r:id="rId2"/>
-    <p:sldLayoutId id="2147483650" r:id="rId3"/>
-    <p:sldLayoutId id="2147483651" r:id="rId4"/>
-    <p:sldLayoutId id="2147483652" r:id="rId5"/>
-    <p:sldLayoutId id="2147483653" r:id="rId6"/>
-    <p:sldLayoutId id="2147483654" r:id="rId7"/>
-    <p:sldLayoutId id="2147483655" r:id="rId8"/>
-    <p:sldLayoutId id="2147483656" r:id="rId9"/>
-    <p:sldLayoutId id="2147483657" r:id="rId10"/>
-    <p:sldLayoutId id="2147483658" r:id="rId11"/>
+    <p:sldLayoutId id="2147483648" r:id="rId2"/>
+    <p:sldLayoutId id="2147483649" r:id="rId3"/>
+    <p:sldLayoutId id="2147483650" r:id="rId4"/>
+    <p:sldLayoutId id="2147483651" r:id="rId5"/>
+    <p:sldLayoutId id="2147483652" r:id="rId6"/>
+    <p:sldLayoutId id="2147483653" r:id="rId7"/>
+    <p:sldLayoutId id="2147483654" r:id="rId8"/>
+    <p:sldLayoutId id="2147483655" r:id="rId9"/>
+    <p:sldLayoutId id="2147483656" r:id="rId10"/>
+    <p:sldLayoutId id="2147483657" r:id="rId11"/>
+    <p:sldLayoutId id="2147483658" r:id="rId12"/>
   </p:sldLayoutIdLst>
   <p:hf dt="0" ftr="0" hdr="0" sldNum="0"/>
   <p:txStyles>
@@ -6636,7 +6627,7 @@
   <p:cSld>
     <p:spTree>
       <p:nvGrpSpPr>
-        <p:cNvPr id="53" name="Shape 53"/>
+        <p:cNvPr id="54" name="Shape 54"/>
         <p:cNvGrpSpPr/>
         <p:nvPr/>
       </p:nvGrpSpPr>
@@ -6650,7 +6641,7 @@
       </p:grpSpPr>
       <p:sp>
         <p:nvSpPr>
-          <p:cNvPr id="54" name="Google Shape;54;p13"/>
+          <p:cNvPr id="55" name="Google Shape;55;p13"/>
           <p:cNvSpPr txBox="1"/>
           <p:nvPr>
             <p:ph type="ctrTitle"/>
@@ -6690,7 +6681,7 @@
       </p:sp>
       <p:sp>
         <p:nvSpPr>
-          <p:cNvPr id="55" name="Google Shape;55;p13"/>
+          <p:cNvPr id="56" name="Google Shape;56;p13"/>
           <p:cNvSpPr txBox="1"/>
           <p:nvPr>
             <p:ph idx="1" type="subTitle"/>
@@ -6730,7 +6721,7 @@
       </p:sp>
       <p:sp>
         <p:nvSpPr>
-          <p:cNvPr id="56" name="Google Shape;56;p13"/>
+          <p:cNvPr id="57" name="Google Shape;57;p13"/>
           <p:cNvSpPr txBox="1"/>
           <p:nvPr/>
         </p:nvSpPr>
@@ -6775,7 +6766,7 @@
       </p:sp>
       <p:sp>
         <p:nvSpPr>
-          <p:cNvPr id="57" name="Google Shape;57;p13"/>
+          <p:cNvPr id="58" name="Google Shape;58;p13"/>
           <p:cNvSpPr txBox="1"/>
           <p:nvPr/>
         </p:nvSpPr>
@@ -6964,7 +6955,7 @@
   <p:cSld>
     <p:spTree>
       <p:nvGrpSpPr>
-        <p:cNvPr id="110" name="Shape 110"/>
+        <p:cNvPr id="111" name="Shape 111"/>
         <p:cNvGrpSpPr/>
         <p:nvPr/>
       </p:nvGrpSpPr>
@@ -6978,7 +6969,7 @@
       </p:grpSpPr>
       <p:sp>
         <p:nvSpPr>
-          <p:cNvPr id="111" name="Google Shape;111;p22"/>
+          <p:cNvPr id="112" name="Google Shape;112;p22"/>
           <p:cNvSpPr txBox="1"/>
           <p:nvPr>
             <p:ph type="title"/>
@@ -7010,7 +7001,11 @@
             </a:pPr>
             <a:r>
               <a:rPr lang="en"/>
-              <a:t>Brady’s Contribution</a:t>
+              <a:t>Brendan’s </a:t>
+            </a:r>
+            <a:r>
+              <a:rPr lang="en"/>
+              <a:t>Contribution</a:t>
             </a:r>
             <a:endParaRPr/>
           </a:p>
@@ -7018,7 +7013,7 @@
       </p:sp>
       <p:sp>
         <p:nvSpPr>
-          <p:cNvPr id="112" name="Google Shape;112;p22"/>
+          <p:cNvPr id="113" name="Google Shape;113;p22"/>
           <p:cNvSpPr txBox="1"/>
           <p:nvPr>
             <p:ph idx="1" type="body"/>
@@ -7039,7 +7034,7 @@
           </a:bodyPr>
           <a:lstStyle/>
           <a:p>
-            <a:pPr indent="-317500" lvl="1" marL="914400" rtl="0" algn="l">
+            <a:pPr indent="-342900" lvl="1" marL="914400" rtl="0" algn="l">
               <a:spcBef>
                 <a:spcPts val="0"/>
               </a:spcBef>
@@ -7049,18 +7044,74 @@
               <a:buClr>
                 <a:schemeClr val="dk1"/>
               </a:buClr>
-              <a:buSzPts val="1400"/>
+              <a:buSzPts val="1800"/>
               <a:buChar char="○"/>
             </a:pPr>
             <a:r>
-              <a:rPr lang="en">
+              <a:rPr lang="en" sz="1800">
                 <a:solidFill>
                   <a:schemeClr val="dk1"/>
                 </a:solidFill>
               </a:rPr>
-              <a:t>Optimized the speed of the API and added error checking to positions </a:t>
+              <a:t>Created the education page and documentation</a:t>
             </a:r>
-            <a:endParaRPr>
+            <a:endParaRPr sz="1800">
+              <a:solidFill>
+                <a:schemeClr val="dk1"/>
+              </a:solidFill>
+            </a:endParaRPr>
+          </a:p>
+          <a:p>
+            <a:pPr indent="-342900" lvl="1" marL="914400" rtl="0" algn="l">
+              <a:spcBef>
+                <a:spcPts val="0"/>
+              </a:spcBef>
+              <a:spcAft>
+                <a:spcPts val="0"/>
+              </a:spcAft>
+              <a:buClr>
+                <a:schemeClr val="dk1"/>
+              </a:buClr>
+              <a:buSzPts val="1800"/>
+              <a:buChar char="○"/>
+            </a:pPr>
+            <a:r>
+              <a:rPr lang="en" sz="1800">
+                <a:solidFill>
+                  <a:schemeClr val="dk1"/>
+                </a:solidFill>
+              </a:rPr>
+              <a:t>Data schema changes to fix the resulting issues, errors, and bugs from the AlphaVantage API data packet change</a:t>
+            </a:r>
+            <a:endParaRPr sz="1800">
+              <a:solidFill>
+                <a:schemeClr val="dk1"/>
+              </a:solidFill>
+            </a:endParaRPr>
+          </a:p>
+          <a:p>
+            <a:pPr indent="-342900" lvl="1" marL="914400" rtl="0" algn="l">
+              <a:spcBef>
+                <a:spcPts val="0"/>
+              </a:spcBef>
+              <a:spcAft>
+                <a:spcPts val="0"/>
+              </a:spcAft>
+              <a:buClr>
+                <a:schemeClr val="dk1"/>
+              </a:buClr>
+              <a:buSzPts val="1800"/>
+              <a:buChar char="○"/>
+            </a:pPr>
+            <a:r>
+              <a:rPr lang="en" sz="1800">
+                <a:solidFill>
+                  <a:schemeClr val="dk1"/>
+                </a:solidFill>
+              </a:rPr>
+              <a:t>Bug fixes and optimization throughout the application </a:t>
+            </a:r>
+            <a:endParaRPr sz="1800">
               <a:solidFill>
                 <a:schemeClr val="dk1"/>
               </a:solidFill>
@@ -7072,36 +7123,12 @@
                 <a:spcPts val="1200"/>
               </a:spcBef>
               <a:spcAft>
-                <a:spcPts val="0"/>
+                <a:spcPts val="1200"/>
               </a:spcAft>
               <a:buNone/>
             </a:pPr>
             <a:r>
               <a:t/>
-            </a:r>
-            <a:endParaRPr>
-              <a:solidFill>
-                <a:schemeClr val="dk1"/>
-              </a:solidFill>
-            </a:endParaRPr>
-          </a:p>
-          <a:p>
-            <a:pPr indent="0" lvl="0" marL="0" rtl="0" algn="l">
-              <a:spcBef>
-                <a:spcPts val="1200"/>
-              </a:spcBef>
-              <a:spcAft>
-                <a:spcPts val="1200"/>
-              </a:spcAft>
-              <a:buNone/>
-            </a:pPr>
-            <a:r>
-              <a:rPr lang="en">
-                <a:solidFill>
-                  <a:schemeClr val="dk1"/>
-                </a:solidFill>
-              </a:rPr>
-              <a:t>DRAFT</a:t>
             </a:r>
             <a:endParaRPr>
               <a:solidFill>
@@ -7124,7 +7151,7 @@
   <p:cSld>
     <p:spTree>
       <p:nvGrpSpPr>
-        <p:cNvPr id="116" name="Shape 116"/>
+        <p:cNvPr id="117" name="Shape 117"/>
         <p:cNvGrpSpPr/>
         <p:nvPr/>
       </p:nvGrpSpPr>
@@ -7138,7 +7165,7 @@
       </p:grpSpPr>
       <p:sp>
         <p:nvSpPr>
-          <p:cNvPr id="117" name="Google Shape;117;p23"/>
+          <p:cNvPr id="118" name="Google Shape;118;p23"/>
           <p:cNvSpPr txBox="1"/>
           <p:nvPr>
             <p:ph type="title"/>
@@ -7170,170 +7197,6 @@
             </a:pPr>
             <a:r>
               <a:rPr lang="en"/>
-              <a:t>Brendan’s </a:t>
-            </a:r>
-            <a:r>
-              <a:rPr lang="en"/>
-              <a:t>Contribution</a:t>
-            </a:r>
-            <a:endParaRPr/>
-          </a:p>
-        </p:txBody>
-      </p:sp>
-      <p:sp>
-        <p:nvSpPr>
-          <p:cNvPr id="118" name="Google Shape;118;p23"/>
-          <p:cNvSpPr txBox="1"/>
-          <p:nvPr>
-            <p:ph idx="1" type="body"/>
-          </p:nvPr>
-        </p:nvSpPr>
-        <p:spPr>
-          <a:xfrm>
-            <a:off x="311700" y="1152475"/>
-            <a:ext cx="8520600" cy="3416400"/>
-          </a:xfrm>
-          <a:prstGeom prst="rect">
-            <a:avLst/>
-          </a:prstGeom>
-        </p:spPr>
-        <p:txBody>
-          <a:bodyPr anchorCtr="0" anchor="t" bIns="91425" lIns="91425" spcFirstLastPara="1" rIns="91425" wrap="square" tIns="91425">
-            <a:normAutofit/>
-          </a:bodyPr>
-          <a:lstStyle/>
-          <a:p>
-            <a:pPr indent="-317500" lvl="1" marL="914400" rtl="0" algn="l">
-              <a:spcBef>
-                <a:spcPts val="0"/>
-              </a:spcBef>
-              <a:spcAft>
-                <a:spcPts val="0"/>
-              </a:spcAft>
-              <a:buClr>
-                <a:schemeClr val="dk1"/>
-              </a:buClr>
-              <a:buSzPts val="1400"/>
-              <a:buChar char="○"/>
-            </a:pPr>
-            <a:r>
-              <a:rPr lang="en">
-                <a:solidFill>
-                  <a:schemeClr val="dk1"/>
-                </a:solidFill>
-              </a:rPr>
-              <a:t>Created the education page and explained to us what the numbers mean</a:t>
-            </a:r>
-            <a:endParaRPr>
-              <a:solidFill>
-                <a:schemeClr val="dk1"/>
-              </a:solidFill>
-            </a:endParaRPr>
-          </a:p>
-          <a:p>
-            <a:pPr indent="0" lvl="0" marL="0" rtl="0" algn="l">
-              <a:spcBef>
-                <a:spcPts val="1200"/>
-              </a:spcBef>
-              <a:spcAft>
-                <a:spcPts val="0"/>
-              </a:spcAft>
-              <a:buNone/>
-            </a:pPr>
-            <a:r>
-              <a:t/>
-            </a:r>
-            <a:endParaRPr>
-              <a:solidFill>
-                <a:schemeClr val="dk1"/>
-              </a:solidFill>
-            </a:endParaRPr>
-          </a:p>
-          <a:p>
-            <a:pPr indent="0" lvl="0" marL="0" rtl="0" algn="l">
-              <a:spcBef>
-                <a:spcPts val="1200"/>
-              </a:spcBef>
-              <a:spcAft>
-                <a:spcPts val="1200"/>
-              </a:spcAft>
-              <a:buNone/>
-            </a:pPr>
-            <a:r>
-              <a:rPr lang="en">
-                <a:solidFill>
-                  <a:schemeClr val="dk1"/>
-                </a:solidFill>
-              </a:rPr>
-              <a:t>DRAFT</a:t>
-            </a:r>
-            <a:endParaRPr>
-              <a:solidFill>
-                <a:schemeClr val="dk1"/>
-              </a:solidFill>
-            </a:endParaRPr>
-          </a:p>
-        </p:txBody>
-      </p:sp>
-    </p:spTree>
-  </p:cSld>
-  <p:clrMapOvr>
-    <a:masterClrMapping/>
-  </p:clrMapOvr>
-</p:sld>
-</file>
-
-<file path=ppt/slides/slide12.xml><?xml version="1.0" encoding="utf-8"?>
-<p:sld xmlns:a="http://schemas.openxmlformats.org/drawingml/2006/main" xmlns:r="http://schemas.openxmlformats.org/officeDocument/2006/relationships" xmlns:mc="http://schemas.openxmlformats.org/markup-compatibility/2006" xmlns:mv="urn:schemas-microsoft-com:mac:vml" xmlns:p="http://schemas.openxmlformats.org/presentationml/2006/main" xmlns:c="http://schemas.openxmlformats.org/drawingml/2006/chart" xmlns:dgm="http://schemas.openxmlformats.org/drawingml/2006/diagram" xmlns:o="urn:schemas-microsoft-com:office:office" xmlns:v="urn:schemas-microsoft-com:vml" xmlns:pvml="urn:schemas-microsoft-com:office:powerpoint" xmlns:com="http://schemas.openxmlformats.org/drawingml/2006/compatibility" xmlns:p14="http://schemas.microsoft.com/office/powerpoint/2010/main" xmlns:p15="http://schemas.microsoft.com/office/powerpoint/2012/main" xmlns:ahyp="http://schemas.microsoft.com/office/drawing/2018/hyperlinkcolor">
-  <p:cSld>
-    <p:spTree>
-      <p:nvGrpSpPr>
-        <p:cNvPr id="122" name="Shape 122"/>
-        <p:cNvGrpSpPr/>
-        <p:nvPr/>
-      </p:nvGrpSpPr>
-      <p:grpSpPr>
-        <a:xfrm>
-          <a:off x="0" y="0"/>
-          <a:ext cx="0" cy="0"/>
-          <a:chOff x="0" y="0"/>
-          <a:chExt cx="0" cy="0"/>
-        </a:xfrm>
-      </p:grpSpPr>
-      <p:sp>
-        <p:nvSpPr>
-          <p:cNvPr id="123" name="Google Shape;123;p24"/>
-          <p:cNvSpPr txBox="1"/>
-          <p:nvPr>
-            <p:ph type="title"/>
-          </p:nvPr>
-        </p:nvSpPr>
-        <p:spPr>
-          <a:xfrm>
-            <a:off x="311700" y="445025"/>
-            <a:ext cx="8520600" cy="572700"/>
-          </a:xfrm>
-          <a:prstGeom prst="rect">
-            <a:avLst/>
-          </a:prstGeom>
-        </p:spPr>
-        <p:txBody>
-          <a:bodyPr anchorCtr="0" anchor="t" bIns="91425" lIns="91425" spcFirstLastPara="1" rIns="91425" wrap="square" tIns="91425">
-            <a:normAutofit fontScale="90000"/>
-          </a:bodyPr>
-          <a:lstStyle/>
-          <a:p>
-            <a:pPr indent="0" lvl="0" marL="0" rtl="0" algn="l">
-              <a:spcBef>
-                <a:spcPts val="0"/>
-              </a:spcBef>
-              <a:spcAft>
-                <a:spcPts val="0"/>
-              </a:spcAft>
-              <a:buNone/>
-            </a:pPr>
-            <a:r>
-              <a:rPr lang="en"/>
               <a:t>Demo	</a:t>
             </a:r>
             <a:endParaRPr/>
@@ -7342,7 +7205,7 @@
       </p:sp>
       <p:sp>
         <p:nvSpPr>
-          <p:cNvPr id="124" name="Google Shape;124;p24"/>
+          <p:cNvPr id="119" name="Google Shape;119;p23"/>
           <p:cNvSpPr txBox="1"/>
           <p:nvPr>
             <p:ph idx="1" type="body"/>
@@ -7469,7 +7332,7 @@
   <p:cSld>
     <p:spTree>
       <p:nvGrpSpPr>
-        <p:cNvPr id="61" name="Shape 61"/>
+        <p:cNvPr id="62" name="Shape 62"/>
         <p:cNvGrpSpPr/>
         <p:nvPr/>
       </p:nvGrpSpPr>
@@ -7483,7 +7346,7 @@
       </p:grpSpPr>
       <p:sp>
         <p:nvSpPr>
-          <p:cNvPr id="62" name="Google Shape;62;p14"/>
+          <p:cNvPr id="63" name="Google Shape;63;p14"/>
           <p:cNvSpPr txBox="1"/>
           <p:nvPr>
             <p:ph type="title"/>
@@ -7523,7 +7386,7 @@
       </p:sp>
       <p:sp>
         <p:nvSpPr>
-          <p:cNvPr id="63" name="Google Shape;63;p14"/>
+          <p:cNvPr id="64" name="Google Shape;64;p14"/>
           <p:cNvSpPr txBox="1"/>
           <p:nvPr>
             <p:ph idx="1" type="body"/>
@@ -7661,7 +7524,7 @@
   <p:cSld>
     <p:spTree>
       <p:nvGrpSpPr>
-        <p:cNvPr id="67" name="Shape 67"/>
+        <p:cNvPr id="68" name="Shape 68"/>
         <p:cNvGrpSpPr/>
         <p:nvPr/>
       </p:nvGrpSpPr>
@@ -7675,7 +7538,7 @@
       </p:grpSpPr>
       <p:sp>
         <p:nvSpPr>
-          <p:cNvPr id="68" name="Google Shape;68;p15"/>
+          <p:cNvPr id="69" name="Google Shape;69;p15"/>
           <p:cNvSpPr txBox="1"/>
           <p:nvPr>
             <p:ph type="title"/>
@@ -7715,7 +7578,7 @@
       </p:sp>
       <p:graphicFrame>
         <p:nvGraphicFramePr>
-          <p:cNvPr id="69" name="Google Shape;69;p15"/>
+          <p:cNvPr id="70" name="Google Shape;70;p15"/>
           <p:cNvGraphicFramePr/>
           <p:nvPr/>
         </p:nvGraphicFramePr>
@@ -7728,7 +7591,7 @@
             <a:tbl>
               <a:tblPr>
                 <a:noFill/>
-                <a:tableStyleId>{40076004-2C32-43CD-8EDA-9697ED5B60DA}</a:tableStyleId>
+                <a:tableStyleId>{8B17185D-CD8B-4256-8B0C-9B47115BC1AE}</a:tableStyleId>
               </a:tblPr>
               <a:tblGrid>
                 <a:gridCol w="2644225"/>
@@ -7846,10 +7709,18 @@
                         <a:buNone/>
                       </a:pPr>
                       <a:r>
-                        <a:rPr lang="en"/>
+                        <a:rPr lang="en">
+                          <a:solidFill>
+                            <a:schemeClr val="dk1"/>
+                          </a:solidFill>
+                        </a:rPr>
                         <a:t>Create new Chart and identify the data needed for it</a:t>
                       </a:r>
-                      <a:endParaRPr/>
+                      <a:endParaRPr>
+                        <a:solidFill>
+                          <a:schemeClr val="dk1"/>
+                        </a:solidFill>
+                      </a:endParaRPr>
                     </a:p>
                   </a:txBody>
                   <a:tcPr marT="91425" marB="91425" marR="91425" marL="91425"/>
@@ -7869,10 +7740,18 @@
                         <a:buNone/>
                       </a:pPr>
                       <a:r>
-                        <a:rPr lang="en"/>
+                        <a:rPr lang="en">
+                          <a:solidFill>
+                            <a:schemeClr val="dk1"/>
+                          </a:solidFill>
+                        </a:rPr>
                         <a:t>Andrew</a:t>
                       </a:r>
-                      <a:endParaRPr/>
+                      <a:endParaRPr>
+                        <a:solidFill>
+                          <a:schemeClr val="dk1"/>
+                        </a:solidFill>
+                      </a:endParaRPr>
                     </a:p>
                   </a:txBody>
                   <a:tcPr marT="91425" marB="91425" marR="91425" marL="91425"/>
@@ -7925,10 +7804,18 @@
                         <a:buNone/>
                       </a:pPr>
                       <a:r>
-                        <a:rPr lang="en"/>
+                        <a:rPr lang="en">
+                          <a:solidFill>
+                            <a:schemeClr val="dk1"/>
+                          </a:solidFill>
+                        </a:rPr>
                         <a:t>Change any UI that looks weird and fix some calculations</a:t>
                       </a:r>
-                      <a:endParaRPr/>
+                      <a:endParaRPr>
+                        <a:solidFill>
+                          <a:schemeClr val="dk1"/>
+                        </a:solidFill>
+                      </a:endParaRPr>
                     </a:p>
                   </a:txBody>
                   <a:tcPr marT="91425" marB="91425" marR="91425" marL="91425"/>
@@ -7948,10 +7835,18 @@
                         <a:buNone/>
                       </a:pPr>
                       <a:r>
-                        <a:rPr lang="en"/>
+                        <a:rPr lang="en">
+                          <a:solidFill>
+                            <a:schemeClr val="dk1"/>
+                          </a:solidFill>
+                        </a:rPr>
                         <a:t>Davis</a:t>
                       </a:r>
-                      <a:endParaRPr/>
+                      <a:endParaRPr>
+                        <a:solidFill>
+                          <a:schemeClr val="dk1"/>
+                        </a:solidFill>
+                      </a:endParaRPr>
                     </a:p>
                   </a:txBody>
                   <a:tcPr marT="91425" marB="91425" marR="91425" marL="91425"/>
@@ -8004,10 +7899,18 @@
                         <a:buNone/>
                       </a:pPr>
                       <a:r>
-                        <a:rPr lang="en"/>
+                        <a:rPr lang="en">
+                          <a:solidFill>
+                            <a:schemeClr val="dk1"/>
+                          </a:solidFill>
+                        </a:rPr>
                         <a:t>Fix and optimize the positions API</a:t>
                       </a:r>
-                      <a:endParaRPr/>
+                      <a:endParaRPr>
+                        <a:solidFill>
+                          <a:schemeClr val="dk1"/>
+                        </a:solidFill>
+                      </a:endParaRPr>
                     </a:p>
                   </a:txBody>
                   <a:tcPr marT="91425" marB="91425" marR="91425" marL="91425"/>
@@ -8027,10 +7930,18 @@
                         <a:buNone/>
                       </a:pPr>
                       <a:r>
-                        <a:rPr lang="en"/>
+                        <a:rPr lang="en">
+                          <a:solidFill>
+                            <a:schemeClr val="dk1"/>
+                          </a:solidFill>
+                        </a:rPr>
                         <a:t>Brady</a:t>
                       </a:r>
-                      <a:endParaRPr/>
+                      <a:endParaRPr>
+                        <a:solidFill>
+                          <a:schemeClr val="dk1"/>
+                        </a:solidFill>
+                      </a:endParaRPr>
                     </a:p>
                   </a:txBody>
                   <a:tcPr marT="91425" marB="91425" marR="91425" marL="91425"/>
@@ -8083,14 +7994,26 @@
                         <a:buNone/>
                       </a:pPr>
                       <a:r>
-                        <a:rPr lang="en"/>
+                        <a:rPr lang="en">
+                          <a:solidFill>
+                            <a:schemeClr val="dk1"/>
+                          </a:solidFill>
+                        </a:rPr>
                         <a:t>Create the education </a:t>
                       </a:r>
                       <a:r>
-                        <a:rPr lang="en"/>
+                        <a:rPr lang="en">
+                          <a:solidFill>
+                            <a:schemeClr val="dk1"/>
+                          </a:solidFill>
+                        </a:rPr>
                         <a:t>page </a:t>
                       </a:r>
-                      <a:endParaRPr/>
+                      <a:endParaRPr>
+                        <a:solidFill>
+                          <a:schemeClr val="dk1"/>
+                        </a:solidFill>
+                      </a:endParaRPr>
                     </a:p>
                   </a:txBody>
                   <a:tcPr marT="91425" marB="91425" marR="91425" marL="91425"/>
@@ -8110,10 +8033,18 @@
                         <a:buNone/>
                       </a:pPr>
                       <a:r>
-                        <a:rPr lang="en"/>
+                        <a:rPr lang="en">
+                          <a:solidFill>
+                            <a:schemeClr val="dk1"/>
+                          </a:solidFill>
+                        </a:rPr>
                         <a:t>Brendan</a:t>
                       </a:r>
-                      <a:endParaRPr/>
+                      <a:endParaRPr>
+                        <a:solidFill>
+                          <a:schemeClr val="dk1"/>
+                        </a:solidFill>
+                      </a:endParaRPr>
                     </a:p>
                   </a:txBody>
                   <a:tcPr marT="91425" marB="91425" marR="91425" marL="91425"/>
@@ -8166,37 +8097,26 @@
                         <a:buNone/>
                       </a:pPr>
                       <a:r>
-                        <a:rPr lang="en"/>
+                        <a:rPr lang="en">
+                          <a:solidFill>
+                            <a:schemeClr val="dk1"/>
+                          </a:solidFill>
+                        </a:rPr>
                         <a:t>Document </a:t>
                       </a:r>
                       <a:r>
-                        <a:rPr lang="en"/>
+                        <a:rPr lang="en">
+                          <a:solidFill>
+                            <a:schemeClr val="dk1"/>
+                          </a:solidFill>
+                        </a:rPr>
                         <a:t>the API</a:t>
                       </a:r>
-                      <a:endParaRPr/>
-                    </a:p>
-                  </a:txBody>
-                  <a:tcPr marT="91425" marB="91425" marR="91425" marL="91425"/>
-                </a:tc>
-                <a:tc>
-                  <a:txBody>
-                    <a:bodyPr/>
-                    <a:lstStyle/>
-                    <a:p>
-                      <a:pPr indent="0" lvl="0" marL="0" rtl="0" algn="l">
-                        <a:spcBef>
-                          <a:spcPts val="0"/>
-                        </a:spcBef>
-                        <a:spcAft>
-                          <a:spcPts val="0"/>
-                        </a:spcAft>
-                        <a:buNone/>
-                      </a:pPr>
-                      <a:r>
-                        <a:rPr lang="en"/>
-                        <a:t>Andrew </a:t>
-                      </a:r>
-                      <a:endParaRPr/>
+                      <a:endParaRPr>
+                        <a:solidFill>
+                          <a:schemeClr val="dk1"/>
+                        </a:solidFill>
+                      </a:endParaRPr>
                     </a:p>
                   </a:txBody>
                   <a:tcPr marT="91425" marB="91425" marR="91425" marL="91425"/>
@@ -8221,7 +8141,38 @@
                             <a:schemeClr val="dk1"/>
                           </a:solidFill>
                         </a:rPr>
-                        <a:t>6</a:t>
+                        <a:t>Andrew </a:t>
+                      </a:r>
+                      <a:endParaRPr>
+                        <a:solidFill>
+                          <a:schemeClr val="dk1"/>
+                        </a:solidFill>
+                      </a:endParaRPr>
+                    </a:p>
+                  </a:txBody>
+                  <a:tcPr marT="91425" marB="91425" marR="91425" marL="91425"/>
+                </a:tc>
+                <a:tc>
+                  <a:txBody>
+                    <a:bodyPr/>
+                    <a:lstStyle/>
+                    <a:p>
+                      <a:pPr indent="0" lvl="0" marL="0" rtl="0" algn="l">
+                        <a:spcBef>
+                          <a:spcPts val="0"/>
+                        </a:spcBef>
+                        <a:spcAft>
+                          <a:spcPts val="0"/>
+                        </a:spcAft>
+                        <a:buNone/>
+                      </a:pPr>
+                      <a:r>
+                        <a:rPr lang="en">
+                          <a:solidFill>
+                            <a:schemeClr val="dk1"/>
+                          </a:solidFill>
+                        </a:rPr>
+                        <a:t>8</a:t>
                       </a:r>
                       <a:endParaRPr>
                         <a:solidFill>
@@ -8322,7 +8273,7 @@
   <p:cSld>
     <p:spTree>
       <p:nvGrpSpPr>
-        <p:cNvPr id="73" name="Shape 73"/>
+        <p:cNvPr id="74" name="Shape 74"/>
         <p:cNvGrpSpPr/>
         <p:nvPr/>
       </p:nvGrpSpPr>
@@ -8336,7 +8287,7 @@
       </p:grpSpPr>
       <p:sp>
         <p:nvSpPr>
-          <p:cNvPr id="74" name="Google Shape;74;p16"/>
+          <p:cNvPr id="75" name="Google Shape;75;p16"/>
           <p:cNvSpPr txBox="1"/>
           <p:nvPr>
             <p:ph type="title"/>
@@ -8376,7 +8327,7 @@
       </p:sp>
       <p:sp>
         <p:nvSpPr>
-          <p:cNvPr id="75" name="Google Shape;75;p16"/>
+          <p:cNvPr id="76" name="Google Shape;76;p16"/>
           <p:cNvSpPr txBox="1"/>
           <p:nvPr>
             <p:ph idx="1" type="body"/>
@@ -8579,7 +8530,7 @@
   <p:cSld>
     <p:spTree>
       <p:nvGrpSpPr>
-        <p:cNvPr id="79" name="Shape 79"/>
+        <p:cNvPr id="80" name="Shape 80"/>
         <p:cNvGrpSpPr/>
         <p:nvPr/>
       </p:nvGrpSpPr>
@@ -8593,7 +8544,7 @@
       </p:grpSpPr>
       <p:sp>
         <p:nvSpPr>
-          <p:cNvPr id="80" name="Google Shape;80;p17"/>
+          <p:cNvPr id="81" name="Google Shape;81;p17"/>
           <p:cNvSpPr txBox="1"/>
           <p:nvPr>
             <p:ph type="title"/>
@@ -8633,7 +8584,7 @@
       </p:sp>
       <p:sp>
         <p:nvSpPr>
-          <p:cNvPr id="81" name="Google Shape;81;p17"/>
+          <p:cNvPr id="82" name="Google Shape;82;p17"/>
           <p:cNvSpPr txBox="1"/>
           <p:nvPr>
             <p:ph idx="1" type="body"/>
@@ -8672,7 +8623,7 @@
       </p:sp>
       <p:pic>
         <p:nvPicPr>
-          <p:cNvPr id="82" name="Google Shape;82;p17"/>
+          <p:cNvPr id="83" name="Google Shape;83;p17"/>
           <p:cNvPicPr preferRelativeResize="0"/>
           <p:nvPr/>
         </p:nvPicPr>
@@ -8686,8 +8637,8 @@
         </p:blipFill>
         <p:spPr>
           <a:xfrm>
-            <a:off x="311700" y="1152475"/>
-            <a:ext cx="8520599" cy="3709074"/>
+            <a:off x="750225" y="1152475"/>
+            <a:ext cx="7643550" cy="3741100"/>
           </a:xfrm>
           <a:prstGeom prst="rect">
             <a:avLst/>
@@ -8711,7 +8662,7 @@
   <p:cSld>
     <p:spTree>
       <p:nvGrpSpPr>
-        <p:cNvPr id="86" name="Shape 86"/>
+        <p:cNvPr id="87" name="Shape 87"/>
         <p:cNvGrpSpPr/>
         <p:nvPr/>
       </p:nvGrpSpPr>
@@ -8725,7 +8676,7 @@
       </p:grpSpPr>
       <p:sp>
         <p:nvSpPr>
-          <p:cNvPr id="87" name="Google Shape;87;p18"/>
+          <p:cNvPr id="88" name="Google Shape;88;p18"/>
           <p:cNvSpPr txBox="1"/>
           <p:nvPr>
             <p:ph type="title"/>
@@ -8765,7 +8716,7 @@
       </p:sp>
       <p:sp>
         <p:nvSpPr>
-          <p:cNvPr id="88" name="Google Shape;88;p18"/>
+          <p:cNvPr id="89" name="Google Shape;89;p18"/>
           <p:cNvSpPr txBox="1"/>
           <p:nvPr>
             <p:ph idx="1" type="body"/>
@@ -8782,7 +8733,7 @@
         </p:spPr>
         <p:txBody>
           <a:bodyPr anchorCtr="0" anchor="t" bIns="91425" lIns="91425" spcFirstLastPara="1" rIns="91425" wrap="square" tIns="91425">
-            <a:normAutofit/>
+            <a:normAutofit lnSpcReduction="20000"/>
           </a:bodyPr>
           <a:lstStyle/>
           <a:p>
@@ -8889,7 +8840,7 @@
                   <a:schemeClr val="dk1"/>
                 </a:solidFill>
               </a:rPr>
-              <a:t>draft for what didn’t go well</a:t>
+              <a:t>Semi-struggled with workarounds for the now missing AlphaVantage API data, how to keep the educational component interesting, and adding in authorization to the API requests</a:t>
             </a:r>
             <a:endParaRPr sz="1900">
               <a:solidFill>
@@ -8917,7 +8868,7 @@
                   <a:schemeClr val="dk1"/>
                 </a:solidFill>
               </a:rPr>
-              <a:t>draft for what we could improve</a:t>
+              <a:t>We could still coordinate and work together more often.</a:t>
             </a:r>
             <a:endParaRPr sz="1900">
               <a:solidFill>
@@ -8945,7 +8896,7 @@
                   <a:schemeClr val="dk1"/>
                 </a:solidFill>
               </a:rPr>
-              <a:t>Brady ran into some pathing issue that was causing him to get results twice from API and then not at all</a:t>
+              <a:t>There were challenges with the API routing that was messing with results, the AlphaVantage changed their schema, Our Evals had a weird value checking bug</a:t>
             </a:r>
             <a:endParaRPr sz="1900">
               <a:solidFill>
@@ -8983,7 +8934,7 @@
   <p:cSld>
     <p:spTree>
       <p:nvGrpSpPr>
-        <p:cNvPr id="92" name="Shape 92"/>
+        <p:cNvPr id="93" name="Shape 93"/>
         <p:cNvGrpSpPr/>
         <p:nvPr/>
       </p:nvGrpSpPr>
@@ -8997,7 +8948,7 @@
       </p:grpSpPr>
       <p:sp>
         <p:nvSpPr>
-          <p:cNvPr id="93" name="Google Shape;93;p19"/>
+          <p:cNvPr id="94" name="Google Shape;94;p19"/>
           <p:cNvSpPr txBox="1"/>
           <p:nvPr>
             <p:ph type="title"/>
@@ -9029,7 +8980,7 @@
             </a:pPr>
             <a:r>
               <a:rPr lang="en"/>
-              <a:t>Team Member Contributions</a:t>
+              <a:t>Andrew’s Contribution</a:t>
             </a:r>
             <a:endParaRPr/>
           </a:p>
@@ -9037,7 +8988,7 @@
       </p:sp>
       <p:sp>
         <p:nvSpPr>
-          <p:cNvPr id="94" name="Google Shape;94;p19"/>
+          <p:cNvPr id="95" name="Google Shape;95;p19"/>
           <p:cNvSpPr txBox="1"/>
           <p:nvPr>
             <p:ph idx="1" type="body"/>
@@ -9045,8 +8996,8 @@
         </p:nvSpPr>
         <p:spPr>
           <a:xfrm>
-            <a:off x="311700" y="1017725"/>
-            <a:ext cx="8520600" cy="3890400"/>
+            <a:off x="311700" y="1152475"/>
+            <a:ext cx="8520600" cy="3416400"/>
           </a:xfrm>
           <a:prstGeom prst="rect">
             <a:avLst/>
@@ -9054,11 +9005,11 @@
         </p:spPr>
         <p:txBody>
           <a:bodyPr anchorCtr="0" anchor="t" bIns="91425" lIns="91425" spcFirstLastPara="1" rIns="91425" wrap="square" tIns="91425">
-            <a:normAutofit/>
+            <a:normAutofit fontScale="25000"/>
           </a:bodyPr>
           <a:lstStyle/>
           <a:p>
-            <a:pPr indent="-330200" lvl="0" marL="457200" rtl="0" algn="l">
+            <a:pPr indent="-333107" lvl="1" marL="914400" rtl="0" algn="l">
               <a:spcBef>
                 <a:spcPts val="0"/>
               </a:spcBef>
@@ -9068,25 +9019,25 @@
               <a:buClr>
                 <a:schemeClr val="dk1"/>
               </a:buClr>
-              <a:buSzPts val="1600"/>
-              <a:buChar char="●"/>
+              <a:buSzPct val="100000"/>
+              <a:buChar char="○"/>
             </a:pPr>
             <a:r>
-              <a:rPr lang="en" sz="1600">
+              <a:rPr lang="en" sz="6583">
                 <a:solidFill>
                   <a:schemeClr val="dk1"/>
                 </a:solidFill>
               </a:rPr>
-              <a:t>Brendan</a:t>
+              <a:t>Changed the Chart to be more informative</a:t>
             </a:r>
-            <a:endParaRPr sz="1600">
+            <a:endParaRPr sz="6583">
               <a:solidFill>
                 <a:schemeClr val="dk1"/>
               </a:solidFill>
             </a:endParaRPr>
           </a:p>
           <a:p>
-            <a:pPr indent="-317500" lvl="1" marL="914400" rtl="0" algn="l">
+            <a:pPr indent="-333107" lvl="2" marL="1371600" rtl="0" algn="l">
               <a:spcBef>
                 <a:spcPts val="0"/>
               </a:spcBef>
@@ -9096,25 +9047,25 @@
               <a:buClr>
                 <a:schemeClr val="dk1"/>
               </a:buClr>
-              <a:buSzPts val="1400"/>
-              <a:buChar char="○"/>
+              <a:buSzPct val="100000"/>
+              <a:buChar char="■"/>
             </a:pPr>
             <a:r>
-              <a:rPr lang="en">
+              <a:rPr lang="en" sz="6583">
                 <a:solidFill>
                   <a:schemeClr val="dk1"/>
                 </a:solidFill>
               </a:rPr>
-              <a:t>Created the education page and explained to us what the numbers mean</a:t>
+              <a:t>Now an OHLC candlestick chart</a:t>
             </a:r>
-            <a:endParaRPr>
+            <a:endParaRPr sz="6583">
               <a:solidFill>
                 <a:schemeClr val="dk1"/>
               </a:solidFill>
             </a:endParaRPr>
           </a:p>
           <a:p>
-            <a:pPr indent="-330200" lvl="0" marL="457200" rtl="0" algn="l">
+            <a:pPr indent="-333107" lvl="2" marL="1371600" rtl="0" algn="l">
               <a:spcBef>
                 <a:spcPts val="0"/>
               </a:spcBef>
@@ -9124,25 +9075,25 @@
               <a:buClr>
                 <a:schemeClr val="dk1"/>
               </a:buClr>
-              <a:buSzPts val="1600"/>
-              <a:buChar char="●"/>
+              <a:buSzPct val="100000"/>
+              <a:buChar char="■"/>
             </a:pPr>
             <a:r>
-              <a:rPr lang="en" sz="1600">
+              <a:rPr lang="en" sz="6583">
                 <a:solidFill>
                   <a:schemeClr val="dk1"/>
                 </a:solidFill>
               </a:rPr>
-              <a:t>Alex</a:t>
+              <a:t>Also added in a Volume bar chart to help show popularity of the stock</a:t>
             </a:r>
-            <a:endParaRPr sz="1600">
+            <a:endParaRPr sz="6583">
               <a:solidFill>
                 <a:schemeClr val="dk1"/>
               </a:solidFill>
             </a:endParaRPr>
           </a:p>
           <a:p>
-            <a:pPr indent="-317500" lvl="1" marL="914400" rtl="0" algn="l">
+            <a:pPr indent="-333107" lvl="1" marL="914400" rtl="0" algn="l">
               <a:spcBef>
                 <a:spcPts val="0"/>
               </a:spcBef>
@@ -9152,25 +9103,25 @@
               <a:buClr>
                 <a:schemeClr val="dk1"/>
               </a:buClr>
-              <a:buSzPts val="1400"/>
+              <a:buSzPct val="100000"/>
               <a:buChar char="○"/>
             </a:pPr>
             <a:r>
-              <a:rPr lang="en">
+              <a:rPr lang="en" sz="6583">
                 <a:solidFill>
                   <a:schemeClr val="dk1"/>
                 </a:solidFill>
               </a:rPr>
-              <a:t>Redid any UI elements that seemed strange and fixed some calculation bugs</a:t>
+              <a:t>Added required authentication to API</a:t>
             </a:r>
-            <a:endParaRPr>
+            <a:endParaRPr sz="6583">
               <a:solidFill>
                 <a:schemeClr val="dk1"/>
               </a:solidFill>
             </a:endParaRPr>
           </a:p>
           <a:p>
-            <a:pPr indent="-330200" lvl="0" marL="457200" rtl="0" algn="l">
+            <a:pPr indent="-333107" lvl="2" marL="1371600" rtl="0" algn="l">
               <a:spcBef>
                 <a:spcPts val="0"/>
               </a:spcBef>
@@ -9180,25 +9131,25 @@
               <a:buClr>
                 <a:schemeClr val="dk1"/>
               </a:buClr>
-              <a:buSzPts val="1600"/>
-              <a:buChar char="●"/>
+              <a:buSzPct val="100000"/>
+              <a:buChar char="■"/>
             </a:pPr>
             <a:r>
-              <a:rPr lang="en" sz="1600">
+              <a:rPr lang="en" sz="6583">
                 <a:solidFill>
                   <a:schemeClr val="dk1"/>
                 </a:solidFill>
               </a:rPr>
-              <a:t>Andrew</a:t>
+              <a:t>Only on API calls that access our DB</a:t>
             </a:r>
-            <a:endParaRPr sz="1600">
+            <a:endParaRPr sz="6583">
               <a:solidFill>
                 <a:schemeClr val="dk1"/>
               </a:solidFill>
             </a:endParaRPr>
           </a:p>
           <a:p>
-            <a:pPr indent="-317500" lvl="1" marL="914400" rtl="0" algn="l">
+            <a:pPr indent="-333107" lvl="1" marL="914400" rtl="0" algn="l">
               <a:spcBef>
                 <a:spcPts val="0"/>
               </a:spcBef>
@@ -9208,25 +9159,25 @@
               <a:buClr>
                 <a:schemeClr val="dk1"/>
               </a:buClr>
-              <a:buSzPts val="1400"/>
+              <a:buSzPct val="100000"/>
               <a:buChar char="○"/>
             </a:pPr>
             <a:r>
-              <a:rPr lang="en">
+              <a:rPr lang="en" sz="6583">
                 <a:solidFill>
                   <a:schemeClr val="dk1"/>
                 </a:solidFill>
               </a:rPr>
-              <a:t>Made a new more informative chart, worked on the API documentation</a:t>
+              <a:t>API documentation</a:t>
             </a:r>
-            <a:endParaRPr>
+            <a:endParaRPr sz="6583">
               <a:solidFill>
                 <a:schemeClr val="dk1"/>
               </a:solidFill>
             </a:endParaRPr>
           </a:p>
           <a:p>
-            <a:pPr indent="-330200" lvl="0" marL="457200" rtl="0" algn="l">
+            <a:pPr indent="-333107" lvl="1" marL="914400" rtl="0" algn="l">
               <a:spcBef>
                 <a:spcPts val="0"/>
               </a:spcBef>
@@ -9236,25 +9187,25 @@
               <a:buClr>
                 <a:schemeClr val="dk1"/>
               </a:buClr>
-              <a:buSzPts val="1600"/>
-              <a:buChar char="●"/>
+              <a:buSzPct val="100000"/>
+              <a:buChar char="○"/>
             </a:pPr>
             <a:r>
-              <a:rPr lang="en" sz="1600">
+              <a:rPr lang="en" sz="6583">
                 <a:solidFill>
                   <a:schemeClr val="dk1"/>
                 </a:solidFill>
               </a:rPr>
-              <a:t>Brady</a:t>
+              <a:t>Contributed to education page content</a:t>
             </a:r>
-            <a:endParaRPr sz="1600">
+            <a:endParaRPr sz="6583">
               <a:solidFill>
                 <a:schemeClr val="dk1"/>
               </a:solidFill>
             </a:endParaRPr>
           </a:p>
           <a:p>
-            <a:pPr indent="-317500" lvl="1" marL="914400" rtl="0" algn="l">
+            <a:pPr indent="-333107" lvl="1" marL="914400" rtl="0" algn="l">
               <a:spcBef>
                 <a:spcPts val="0"/>
               </a:spcBef>
@@ -9264,61 +9215,102 @@
               <a:buClr>
                 <a:schemeClr val="dk1"/>
               </a:buClr>
-              <a:buSzPts val="1400"/>
+              <a:buSzPct val="100000"/>
               <a:buChar char="○"/>
             </a:pPr>
             <a:r>
-              <a:rPr lang="en">
+              <a:rPr lang="en" sz="6583">
                 <a:solidFill>
                   <a:schemeClr val="dk1"/>
                 </a:solidFill>
               </a:rPr>
-              <a:t>Optimized the speed of the API and added error checking to positions </a:t>
+              <a:t>Deliverables</a:t>
             </a:r>
-            <a:endParaRPr>
+            <a:endParaRPr sz="6583">
               <a:solidFill>
                 <a:schemeClr val="dk1"/>
               </a:solidFill>
             </a:endParaRPr>
           </a:p>
           <a:p>
-            <a:pPr indent="0" lvl="0" marL="0" rtl="0" algn="l">
-              <a:spcBef>
-                <a:spcPts val="1200"/>
-              </a:spcBef>
-              <a:spcAft>
-                <a:spcPts val="0"/>
-              </a:spcAft>
-              <a:buNone/>
+            <a:pPr indent="-333107" lvl="2" marL="1371600" rtl="0" algn="l">
+              <a:spcBef>
+                <a:spcPts val="0"/>
+              </a:spcBef>
+              <a:spcAft>
+                <a:spcPts val="0"/>
+              </a:spcAft>
+              <a:buClr>
+                <a:schemeClr val="dk1"/>
+              </a:buClr>
+              <a:buSzPct val="100000"/>
+              <a:buChar char="■"/>
             </a:pPr>
             <a:r>
-              <a:t/>
+              <a:rPr lang="en" sz="6583">
+                <a:solidFill>
+                  <a:schemeClr val="dk1"/>
+                </a:solidFill>
+              </a:rPr>
+              <a:t>Sprint Goals</a:t>
             </a:r>
-            <a:endParaRPr>
+            <a:endParaRPr sz="6583">
               <a:solidFill>
                 <a:schemeClr val="dk1"/>
               </a:solidFill>
             </a:endParaRPr>
           </a:p>
           <a:p>
-            <a:pPr indent="0" lvl="0" marL="0" rtl="0" algn="l">
-              <a:spcBef>
-                <a:spcPts val="1200"/>
-              </a:spcBef>
-              <a:spcAft>
-                <a:spcPts val="1200"/>
-              </a:spcAft>
-              <a:buNone/>
+            <a:pPr indent="-333107" lvl="2" marL="1371600" rtl="0" algn="l">
+              <a:spcBef>
+                <a:spcPts val="0"/>
+              </a:spcBef>
+              <a:spcAft>
+                <a:spcPts val="0"/>
+              </a:spcAft>
+              <a:buClr>
+                <a:schemeClr val="dk1"/>
+              </a:buClr>
+              <a:buSzPct val="100000"/>
+              <a:buChar char="■"/>
             </a:pPr>
             <a:r>
-              <a:rPr lang="en">
+              <a:rPr lang="en" sz="6583">
                 <a:solidFill>
                   <a:schemeClr val="dk1"/>
                 </a:solidFill>
               </a:rPr>
-              <a:t>DRAFT</a:t>
+              <a:t>Sprint Retro</a:t>
             </a:r>
-            <a:endParaRPr>
+            <a:endParaRPr sz="6583">
+              <a:solidFill>
+                <a:schemeClr val="dk1"/>
+              </a:solidFill>
+            </a:endParaRPr>
+          </a:p>
+          <a:p>
+            <a:pPr indent="-333107" lvl="2" marL="1371600" rtl="0" algn="l">
+              <a:spcBef>
+                <a:spcPts val="0"/>
+              </a:spcBef>
+              <a:spcAft>
+                <a:spcPts val="0"/>
+              </a:spcAft>
+              <a:buClr>
+                <a:schemeClr val="dk1"/>
+              </a:buClr>
+              <a:buSzPct val="100000"/>
+              <a:buChar char="■"/>
+            </a:pPr>
+            <a:r>
+              <a:rPr lang="en" sz="6583">
+                <a:solidFill>
+                  <a:schemeClr val="dk1"/>
+                </a:solidFill>
+              </a:rPr>
+              <a:t>Sprint slides</a:t>
+            </a:r>
+            <a:endParaRPr sz="6583">
               <a:solidFill>
                 <a:schemeClr val="dk1"/>
               </a:solidFill>
@@ -9339,7 +9331,7 @@
   <p:cSld>
     <p:spTree>
       <p:nvGrpSpPr>
-        <p:cNvPr id="98" name="Shape 98"/>
+        <p:cNvPr id="99" name="Shape 99"/>
         <p:cNvGrpSpPr/>
         <p:nvPr/>
       </p:nvGrpSpPr>
@@ -9353,7 +9345,7 @@
       </p:grpSpPr>
       <p:sp>
         <p:nvSpPr>
-          <p:cNvPr id="99" name="Google Shape;99;p20"/>
+          <p:cNvPr id="100" name="Google Shape;100;p20"/>
           <p:cNvSpPr txBox="1"/>
           <p:nvPr>
             <p:ph type="title"/>
@@ -9385,7 +9377,11 @@
             </a:pPr>
             <a:r>
               <a:rPr lang="en"/>
-              <a:t>Andrew’s Contribution</a:t>
+              <a:t>Alex’s </a:t>
+            </a:r>
+            <a:r>
+              <a:rPr lang="en"/>
+              <a:t>Contribution</a:t>
             </a:r>
             <a:endParaRPr/>
           </a:p>
@@ -9393,7 +9389,7 @@
       </p:sp>
       <p:sp>
         <p:nvSpPr>
-          <p:cNvPr id="100" name="Google Shape;100;p20"/>
+          <p:cNvPr id="101" name="Google Shape;101;p20"/>
           <p:cNvSpPr txBox="1"/>
           <p:nvPr>
             <p:ph idx="1" type="body"/>
@@ -9414,7 +9410,7 @@
           </a:bodyPr>
           <a:lstStyle/>
           <a:p>
-            <a:pPr indent="-317500" lvl="1" marL="914400" rtl="0" algn="l">
+            <a:pPr indent="-342900" lvl="1" marL="914400" rtl="0" algn="l">
               <a:spcBef>
                 <a:spcPts val="0"/>
               </a:spcBef>
@@ -9424,25 +9420,41 @@
               <a:buClr>
                 <a:schemeClr val="dk1"/>
               </a:buClr>
-              <a:buSzPts val="1400"/>
+              <a:buSzPts val="1800"/>
               <a:buChar char="○"/>
             </a:pPr>
             <a:r>
-              <a:rPr lang="en">
+              <a:rPr lang="en" sz="1800">
                 <a:solidFill>
                   <a:schemeClr val="dk1"/>
                 </a:solidFill>
               </a:rPr>
-              <a:t>Made a new more informative chart, worked on the API documentation</a:t>
+              <a:t>Added Balance Sheet, Income </a:t>
             </a:r>
-            <a:endParaRPr>
+            <a:r>
+              <a:rPr lang="en" sz="1800">
+                <a:solidFill>
+                  <a:schemeClr val="dk1"/>
+                </a:solidFill>
+              </a:rPr>
+              <a:t>Statement</a:t>
+            </a:r>
+            <a:r>
+              <a:rPr lang="en" sz="1800">
+                <a:solidFill>
+                  <a:schemeClr val="dk1"/>
+                </a:solidFill>
+              </a:rPr>
+              <a:t>, and Cash Flow to Stock Page</a:t>
+            </a:r>
+            <a:endParaRPr sz="1800">
               <a:solidFill>
                 <a:schemeClr val="dk1"/>
               </a:solidFill>
             </a:endParaRPr>
           </a:p>
           <a:p>
-            <a:pPr indent="-317500" lvl="1" marL="914400" rtl="0" algn="l">
+            <a:pPr indent="-342900" lvl="1" marL="914400" rtl="0" algn="l">
               <a:spcBef>
                 <a:spcPts val="0"/>
               </a:spcBef>
@@ -9452,18 +9464,98 @@
               <a:buClr>
                 <a:schemeClr val="dk1"/>
               </a:buClr>
-              <a:buSzPts val="1400"/>
+              <a:buSzPts val="1800"/>
               <a:buChar char="○"/>
             </a:pPr>
             <a:r>
-              <a:rPr lang="en">
+              <a:rPr lang="en" sz="1800">
                 <a:solidFill>
                   <a:schemeClr val="dk1"/>
                 </a:solidFill>
               </a:rPr>
-              <a:t>Added in authenticated API calls</a:t>
+              <a:t>Ref</a:t>
             </a:r>
-            <a:endParaRPr>
+            <a:r>
+              <a:rPr lang="en" sz="1800">
+                <a:solidFill>
+                  <a:schemeClr val="dk1"/>
+                </a:solidFill>
+              </a:rPr>
+              <a:t>ormatted</a:t>
+            </a:r>
+            <a:r>
+              <a:rPr lang="en" sz="1800">
+                <a:solidFill>
+                  <a:schemeClr val="dk1"/>
+                </a:solidFill>
+              </a:rPr>
+              <a:t> </a:t>
+            </a:r>
+            <a:r>
+              <a:rPr lang="en" sz="1800">
+                <a:solidFill>
+                  <a:schemeClr val="dk1"/>
+                </a:solidFill>
+              </a:rPr>
+              <a:t>UI Elements.</a:t>
+            </a:r>
+            <a:endParaRPr sz="1800">
+              <a:solidFill>
+                <a:schemeClr val="dk1"/>
+              </a:solidFill>
+            </a:endParaRPr>
+          </a:p>
+          <a:p>
+            <a:pPr indent="-342900" lvl="1" marL="914400" rtl="0" algn="l">
+              <a:spcBef>
+                <a:spcPts val="0"/>
+              </a:spcBef>
+              <a:spcAft>
+                <a:spcPts val="0"/>
+              </a:spcAft>
+              <a:buClr>
+                <a:schemeClr val="dk1"/>
+              </a:buClr>
+              <a:buSzPts val="1800"/>
+              <a:buChar char="○"/>
+            </a:pPr>
+            <a:r>
+              <a:rPr lang="en" sz="1800">
+                <a:solidFill>
+                  <a:schemeClr val="dk1"/>
+                </a:solidFill>
+              </a:rPr>
+              <a:t>Formatted the education page on the wiki side of the app. </a:t>
+            </a:r>
+            <a:endParaRPr sz="1800">
+              <a:solidFill>
+                <a:schemeClr val="dk1"/>
+              </a:solidFill>
+            </a:endParaRPr>
+          </a:p>
+          <a:p>
+            <a:pPr indent="-342900" lvl="1" marL="914400" rtl="0" algn="l">
+              <a:spcBef>
+                <a:spcPts val="0"/>
+              </a:spcBef>
+              <a:spcAft>
+                <a:spcPts val="0"/>
+              </a:spcAft>
+              <a:buClr>
+                <a:schemeClr val="dk1"/>
+              </a:buClr>
+              <a:buSzPts val="1800"/>
+              <a:buChar char="○"/>
+            </a:pPr>
+            <a:r>
+              <a:rPr lang="en" sz="1800">
+                <a:solidFill>
+                  <a:schemeClr val="dk1"/>
+                </a:solidFill>
+              </a:rPr>
+              <a:t>Fixed Front end bugs.</a:t>
+            </a:r>
+            <a:endParaRPr sz="1800">
               <a:solidFill>
                 <a:schemeClr val="dk1"/>
               </a:solidFill>
@@ -9518,12 +9610,7 @@
               <a:buNone/>
             </a:pPr>
             <a:r>
-              <a:rPr lang="en">
-                <a:solidFill>
-                  <a:schemeClr val="dk1"/>
-                </a:solidFill>
-              </a:rPr>
-              <a:t>DRAFT</a:t>
+              <a:t/>
             </a:r>
             <a:endParaRPr>
               <a:solidFill>
@@ -9546,7 +9633,7 @@
   <p:cSld>
     <p:spTree>
       <p:nvGrpSpPr>
-        <p:cNvPr id="104" name="Shape 104"/>
+        <p:cNvPr id="105" name="Shape 105"/>
         <p:cNvGrpSpPr/>
         <p:nvPr/>
       </p:nvGrpSpPr>
@@ -9560,7 +9647,7 @@
       </p:grpSpPr>
       <p:sp>
         <p:nvSpPr>
-          <p:cNvPr id="105" name="Google Shape;105;p21"/>
+          <p:cNvPr id="106" name="Google Shape;106;p21"/>
           <p:cNvSpPr txBox="1"/>
           <p:nvPr>
             <p:ph type="title"/>
@@ -9592,11 +9679,7 @@
             </a:pPr>
             <a:r>
               <a:rPr lang="en"/>
-              <a:t>Davis’ </a:t>
-            </a:r>
-            <a:r>
-              <a:rPr lang="en"/>
-              <a:t>Contribution</a:t>
+              <a:t>Brady’s Contribution</a:t>
             </a:r>
             <a:endParaRPr/>
           </a:p>
@@ -9604,7 +9687,7 @@
       </p:sp>
       <p:sp>
         <p:nvSpPr>
-          <p:cNvPr id="106" name="Google Shape;106;p21"/>
+          <p:cNvPr id="107" name="Google Shape;107;p21"/>
           <p:cNvSpPr txBox="1"/>
           <p:nvPr>
             <p:ph idx="1" type="body"/>
@@ -9613,7 +9696,7 @@
         <p:spPr>
           <a:xfrm>
             <a:off x="311700" y="1152475"/>
-            <a:ext cx="8520600" cy="3416400"/>
+            <a:ext cx="8520600" cy="3853200"/>
           </a:xfrm>
           <a:prstGeom prst="rect">
             <a:avLst/>
@@ -9621,11 +9704,11 @@
         </p:spPr>
         <p:txBody>
           <a:bodyPr anchorCtr="0" anchor="t" bIns="91425" lIns="91425" spcFirstLastPara="1" rIns="91425" wrap="square" tIns="91425">
-            <a:normAutofit/>
+            <a:normAutofit fontScale="25000" lnSpcReduction="10000"/>
           </a:bodyPr>
           <a:lstStyle/>
           <a:p>
-            <a:pPr indent="-317500" lvl="1" marL="914400" rtl="0" algn="l">
+            <a:pPr indent="-333107" lvl="1" marL="914400" rtl="0" algn="l">
               <a:spcBef>
                 <a:spcPts val="0"/>
               </a:spcBef>
@@ -9635,18 +9718,317 @@
               <a:buClr>
                 <a:schemeClr val="dk1"/>
               </a:buClr>
-              <a:buSzPts val="1400"/>
+              <a:buSzPct val="100000"/>
               <a:buChar char="○"/>
             </a:pPr>
             <a:r>
-              <a:rPr lang="en">
+              <a:rPr lang="en" sz="6583">
                 <a:solidFill>
                   <a:schemeClr val="dk1"/>
                 </a:solidFill>
               </a:rPr>
-              <a:t>Redid any UI elements that seemed strange and fixed some calculation bugs</a:t>
+              <a:t>Error Checking</a:t>
             </a:r>
-            <a:endParaRPr>
+            <a:endParaRPr sz="6583">
+              <a:solidFill>
+                <a:schemeClr val="dk1"/>
+              </a:solidFill>
+            </a:endParaRPr>
+          </a:p>
+          <a:p>
+            <a:pPr indent="-333107" lvl="2" marL="1371600" rtl="0" algn="l">
+              <a:spcBef>
+                <a:spcPts val="0"/>
+              </a:spcBef>
+              <a:spcAft>
+                <a:spcPts val="0"/>
+              </a:spcAft>
+              <a:buClr>
+                <a:schemeClr val="dk1"/>
+              </a:buClr>
+              <a:buSzPct val="100000"/>
+              <a:buChar char="■"/>
+            </a:pPr>
+            <a:r>
+              <a:rPr lang="en" sz="6583">
+                <a:solidFill>
+                  <a:schemeClr val="dk1"/>
+                </a:solidFill>
+              </a:rPr>
+              <a:t>Eliminated possibility for duplicate positions</a:t>
+            </a:r>
+            <a:endParaRPr sz="6583">
+              <a:solidFill>
+                <a:schemeClr val="dk1"/>
+              </a:solidFill>
+            </a:endParaRPr>
+          </a:p>
+          <a:p>
+            <a:pPr indent="-333107" lvl="2" marL="1371600" rtl="0" algn="l">
+              <a:spcBef>
+                <a:spcPts val="0"/>
+              </a:spcBef>
+              <a:spcAft>
+                <a:spcPts val="0"/>
+              </a:spcAft>
+              <a:buClr>
+                <a:schemeClr val="dk1"/>
+              </a:buClr>
+              <a:buSzPct val="100000"/>
+              <a:buChar char="■"/>
+            </a:pPr>
+            <a:r>
+              <a:rPr lang="en" sz="6583">
+                <a:solidFill>
+                  <a:schemeClr val="dk1"/>
+                </a:solidFill>
+              </a:rPr>
+              <a:t>Removed possibility for adding a ticker not supported by API</a:t>
+            </a:r>
+            <a:endParaRPr sz="6583">
+              <a:solidFill>
+                <a:schemeClr val="dk1"/>
+              </a:solidFill>
+            </a:endParaRPr>
+          </a:p>
+          <a:p>
+            <a:pPr indent="-333107" lvl="1" marL="914400" rtl="0" algn="l">
+              <a:spcBef>
+                <a:spcPts val="0"/>
+              </a:spcBef>
+              <a:spcAft>
+                <a:spcPts val="0"/>
+              </a:spcAft>
+              <a:buClr>
+                <a:schemeClr val="dk1"/>
+              </a:buClr>
+              <a:buSzPct val="100000"/>
+              <a:buChar char="○"/>
+            </a:pPr>
+            <a:r>
+              <a:rPr lang="en" sz="6583">
+                <a:solidFill>
+                  <a:schemeClr val="dk1"/>
+                </a:solidFill>
+              </a:rPr>
+              <a:t>Beautified API Results</a:t>
+            </a:r>
+            <a:endParaRPr sz="6583">
+              <a:solidFill>
+                <a:schemeClr val="dk1"/>
+              </a:solidFill>
+            </a:endParaRPr>
+          </a:p>
+          <a:p>
+            <a:pPr indent="-333107" lvl="2" marL="1371600" rtl="0" algn="l">
+              <a:spcBef>
+                <a:spcPts val="0"/>
+              </a:spcBef>
+              <a:spcAft>
+                <a:spcPts val="0"/>
+              </a:spcAft>
+              <a:buClr>
+                <a:schemeClr val="dk1"/>
+              </a:buClr>
+              <a:buSzPct val="100000"/>
+              <a:buChar char="■"/>
+            </a:pPr>
+            <a:r>
+              <a:rPr lang="en" sz="6583">
+                <a:solidFill>
+                  <a:schemeClr val="dk1"/>
+                </a:solidFill>
+              </a:rPr>
+              <a:t>Fixed decimals on positions page</a:t>
+            </a:r>
+            <a:endParaRPr sz="6583">
+              <a:solidFill>
+                <a:schemeClr val="dk1"/>
+              </a:solidFill>
+            </a:endParaRPr>
+          </a:p>
+          <a:p>
+            <a:pPr indent="-333107" lvl="1" marL="914400" rtl="0" algn="l">
+              <a:spcBef>
+                <a:spcPts val="0"/>
+              </a:spcBef>
+              <a:spcAft>
+                <a:spcPts val="0"/>
+              </a:spcAft>
+              <a:buClr>
+                <a:schemeClr val="dk1"/>
+              </a:buClr>
+              <a:buSzPct val="100000"/>
+              <a:buChar char="○"/>
+            </a:pPr>
+            <a:r>
+              <a:rPr lang="en" sz="6583">
+                <a:solidFill>
+                  <a:schemeClr val="dk1"/>
+                </a:solidFill>
+              </a:rPr>
+              <a:t>Positions bug fixes</a:t>
+            </a:r>
+            <a:endParaRPr sz="6583">
+              <a:solidFill>
+                <a:schemeClr val="dk1"/>
+              </a:solidFill>
+            </a:endParaRPr>
+          </a:p>
+          <a:p>
+            <a:pPr indent="-333107" lvl="2" marL="1371600" rtl="0" algn="l">
+              <a:spcBef>
+                <a:spcPts val="0"/>
+              </a:spcBef>
+              <a:spcAft>
+                <a:spcPts val="0"/>
+              </a:spcAft>
+              <a:buClr>
+                <a:schemeClr val="dk1"/>
+              </a:buClr>
+              <a:buSzPct val="100000"/>
+              <a:buChar char="■"/>
+            </a:pPr>
+            <a:r>
+              <a:rPr lang="en" sz="6583">
+                <a:solidFill>
+                  <a:schemeClr val="dk1"/>
+                </a:solidFill>
+              </a:rPr>
+              <a:t>Fixed math for % gain and profit</a:t>
+            </a:r>
+            <a:endParaRPr sz="6583">
+              <a:solidFill>
+                <a:schemeClr val="dk1"/>
+              </a:solidFill>
+            </a:endParaRPr>
+          </a:p>
+          <a:p>
+            <a:pPr indent="-333107" lvl="1" marL="914400" rtl="0" algn="l">
+              <a:spcBef>
+                <a:spcPts val="0"/>
+              </a:spcBef>
+              <a:spcAft>
+                <a:spcPts val="0"/>
+              </a:spcAft>
+              <a:buClr>
+                <a:schemeClr val="dk1"/>
+              </a:buClr>
+              <a:buSzPct val="100000"/>
+              <a:buChar char="○"/>
+            </a:pPr>
+            <a:r>
+              <a:rPr lang="en" sz="6583">
+                <a:solidFill>
+                  <a:schemeClr val="dk1"/>
+                </a:solidFill>
+              </a:rPr>
+              <a:t>Contributed to education page content</a:t>
+            </a:r>
+            <a:endParaRPr sz="6583">
+              <a:solidFill>
+                <a:schemeClr val="dk1"/>
+              </a:solidFill>
+            </a:endParaRPr>
+          </a:p>
+          <a:p>
+            <a:pPr indent="-333107" lvl="1" marL="914400" rtl="0" algn="l">
+              <a:spcBef>
+                <a:spcPts val="0"/>
+              </a:spcBef>
+              <a:spcAft>
+                <a:spcPts val="0"/>
+              </a:spcAft>
+              <a:buClr>
+                <a:schemeClr val="dk1"/>
+              </a:buClr>
+              <a:buSzPct val="100000"/>
+              <a:buChar char="○"/>
+            </a:pPr>
+            <a:r>
+              <a:rPr lang="en" sz="6583">
+                <a:solidFill>
+                  <a:schemeClr val="dk1"/>
+                </a:solidFill>
+              </a:rPr>
+              <a:t>Deliverables</a:t>
+            </a:r>
+            <a:endParaRPr sz="6583">
+              <a:solidFill>
+                <a:schemeClr val="dk1"/>
+              </a:solidFill>
+            </a:endParaRPr>
+          </a:p>
+          <a:p>
+            <a:pPr indent="-333107" lvl="2" marL="1371600" rtl="0" algn="l">
+              <a:spcBef>
+                <a:spcPts val="0"/>
+              </a:spcBef>
+              <a:spcAft>
+                <a:spcPts val="0"/>
+              </a:spcAft>
+              <a:buClr>
+                <a:schemeClr val="dk1"/>
+              </a:buClr>
+              <a:buSzPct val="100000"/>
+              <a:buChar char="■"/>
+            </a:pPr>
+            <a:r>
+              <a:rPr lang="en" sz="6583">
+                <a:solidFill>
+                  <a:schemeClr val="dk1"/>
+                </a:solidFill>
+              </a:rPr>
+              <a:t>Test cases</a:t>
+            </a:r>
+            <a:endParaRPr sz="6583">
+              <a:solidFill>
+                <a:schemeClr val="dk1"/>
+              </a:solidFill>
+            </a:endParaRPr>
+          </a:p>
+          <a:p>
+            <a:pPr indent="-333107" lvl="2" marL="1371600" rtl="0" algn="l">
+              <a:spcBef>
+                <a:spcPts val="0"/>
+              </a:spcBef>
+              <a:spcAft>
+                <a:spcPts val="0"/>
+              </a:spcAft>
+              <a:buClr>
+                <a:schemeClr val="dk1"/>
+              </a:buClr>
+              <a:buSzPct val="100000"/>
+              <a:buChar char="■"/>
+            </a:pPr>
+            <a:r>
+              <a:rPr lang="en" sz="6583">
+                <a:solidFill>
+                  <a:schemeClr val="dk1"/>
+                </a:solidFill>
+              </a:rPr>
+              <a:t>Recorded video</a:t>
+            </a:r>
+            <a:endParaRPr sz="6583">
+              <a:solidFill>
+                <a:schemeClr val="dk1"/>
+              </a:solidFill>
+            </a:endParaRPr>
+          </a:p>
+          <a:p>
+            <a:pPr indent="0" lvl="0" marL="0" rtl="0" algn="l">
+              <a:spcBef>
+                <a:spcPts val="1200"/>
+              </a:spcBef>
+              <a:spcAft>
+                <a:spcPts val="0"/>
+              </a:spcAft>
+              <a:buNone/>
+            </a:pPr>
+            <a:r>
+              <a:t/>
+            </a:r>
+            <a:endParaRPr sz="1900">
               <a:solidFill>
                 <a:schemeClr val="dk1"/>
               </a:solidFill>
@@ -9677,36 +10059,12 @@
                 <a:spcPts val="1200"/>
               </a:spcBef>
               <a:spcAft>
-                <a:spcPts val="0"/>
+                <a:spcPts val="1200"/>
               </a:spcAft>
               <a:buNone/>
             </a:pPr>
             <a:r>
               <a:t/>
-            </a:r>
-            <a:endParaRPr>
-              <a:solidFill>
-                <a:schemeClr val="dk1"/>
-              </a:solidFill>
-            </a:endParaRPr>
-          </a:p>
-          <a:p>
-            <a:pPr indent="0" lvl="0" marL="0" rtl="0" algn="l">
-              <a:spcBef>
-                <a:spcPts val="1200"/>
-              </a:spcBef>
-              <a:spcAft>
-                <a:spcPts val="1200"/>
-              </a:spcAft>
-              <a:buNone/>
-            </a:pPr>
-            <a:r>
-              <a:rPr lang="en">
-                <a:solidFill>
-                  <a:schemeClr val="dk1"/>
-                </a:solidFill>
-              </a:rPr>
-              <a:t>DRAFT</a:t>
             </a:r>
             <a:endParaRPr>
               <a:solidFill>
@@ -10004,26 +10362,26 @@
 </file>
 
 <file path=ppt/theme/theme2.xml><?xml version="1.0" encoding="utf-8"?>
-<a:theme xmlns:a="http://schemas.openxmlformats.org/drawingml/2006/main" xmlns:r="http://schemas.openxmlformats.org/officeDocument/2006/relationships" name="Simple Light">
+<a:theme xmlns:a="http://schemas.openxmlformats.org/drawingml/2006/main" xmlns:r="http://schemas.openxmlformats.org/officeDocument/2006/relationships" name="Simple Dark">
   <a:themeElements>
-    <a:clrScheme name="Simple Light">
+    <a:clrScheme name="Simple Dark">
       <a:dk1>
-        <a:srgbClr val="000000"/>
+        <a:srgbClr val="FFFFFF"/>
       </a:dk1>
       <a:lt1>
-        <a:srgbClr val="FFFFFF"/>
+        <a:srgbClr val="212121"/>
       </a:lt1>
       <a:dk2>
-        <a:srgbClr val="595959"/>
+        <a:srgbClr val="303030"/>
       </a:dk2>
       <a:lt2>
-        <a:srgbClr val="EEEEEE"/>
+        <a:srgbClr val="ADADAD"/>
       </a:lt2>
       <a:accent1>
-        <a:srgbClr val="4285F4"/>
+        <a:srgbClr val="009688"/>
       </a:accent1>
       <a:accent2>
-        <a:srgbClr val="212121"/>
+        <a:srgbClr val="EEEEEE"/>
       </a:accent2>
       <a:accent3>
         <a:srgbClr val="78909C"/>
@@ -10032,16 +10390,16 @@
         <a:srgbClr val="FFAB40"/>
       </a:accent4>
       <a:accent5>
-        <a:srgbClr val="0097A7"/>
+        <a:srgbClr val="4DD0E1"/>
       </a:accent5>
       <a:accent6>
         <a:srgbClr val="EEFF41"/>
       </a:accent6>
       <a:hlink>
-        <a:srgbClr val="0097A7"/>
+        <a:srgbClr val="4DD0E1"/>
       </a:hlink>
       <a:folHlink>
-        <a:srgbClr val="0097A7"/>
+        <a:srgbClr val="4DD0E1"/>
       </a:folHlink>
     </a:clrScheme>
     <a:fontScheme name="Office">
